--- a/Presentation/Edulution.pptx
+++ b/Presentation/Edulution.pptx
@@ -9,6 +9,8 @@
     <p:sldId id="257" r:id="rId3"/>
     <p:sldId id="258" r:id="rId4"/>
     <p:sldId id="259" r:id="rId5"/>
+    <p:sldId id="260" r:id="rId6"/>
+    <p:sldId id="261" r:id="rId7"/>
   </p:sldIdLst>
   <p:sldSz cx="12192000" cy="6858000"/>
   <p:notesSz cx="6858000" cy="9144000"/>
@@ -111,6 +113,753 @@
 </file>
 
 <file path=ppt/diagrams/colors1.xml><?xml version="1.0" encoding="utf-8"?>
+<dgm:colorsDef xmlns:dgm="http://schemas.openxmlformats.org/drawingml/2006/diagram" xmlns:a="http://schemas.openxmlformats.org/drawingml/2006/main" uniqueId="urn:microsoft.com/office/officeart/2005/8/colors/accent1_2">
+  <dgm:title val=""/>
+  <dgm:desc val=""/>
+  <dgm:catLst>
+    <dgm:cat type="accent1" pri="11200"/>
+  </dgm:catLst>
+  <dgm:styleLbl name="node0">
+    <dgm:fillClrLst meth="repeat">
+      <a:schemeClr val="accent1"/>
+    </dgm:fillClrLst>
+    <dgm:linClrLst meth="repeat">
+      <a:schemeClr val="lt1"/>
+    </dgm:linClrLst>
+    <dgm:effectClrLst/>
+    <dgm:txLinClrLst/>
+    <dgm:txFillClrLst/>
+    <dgm:txEffectClrLst/>
+  </dgm:styleLbl>
+  <dgm:styleLbl name="alignNode1">
+    <dgm:fillClrLst meth="repeat">
+      <a:schemeClr val="accent1"/>
+    </dgm:fillClrLst>
+    <dgm:linClrLst meth="repeat">
+      <a:schemeClr val="accent1"/>
+    </dgm:linClrLst>
+    <dgm:effectClrLst/>
+    <dgm:txLinClrLst/>
+    <dgm:txFillClrLst/>
+    <dgm:txEffectClrLst/>
+  </dgm:styleLbl>
+  <dgm:styleLbl name="node1">
+    <dgm:fillClrLst meth="repeat">
+      <a:schemeClr val="accent1"/>
+    </dgm:fillClrLst>
+    <dgm:linClrLst meth="repeat">
+      <a:schemeClr val="lt1"/>
+    </dgm:linClrLst>
+    <dgm:effectClrLst/>
+    <dgm:txLinClrLst/>
+    <dgm:txFillClrLst/>
+    <dgm:txEffectClrLst/>
+  </dgm:styleLbl>
+  <dgm:styleLbl name="lnNode1">
+    <dgm:fillClrLst meth="repeat">
+      <a:schemeClr val="accent1"/>
+    </dgm:fillClrLst>
+    <dgm:linClrLst meth="repeat">
+      <a:schemeClr val="lt1"/>
+    </dgm:linClrLst>
+    <dgm:effectClrLst/>
+    <dgm:txLinClrLst/>
+    <dgm:txFillClrLst/>
+    <dgm:txEffectClrLst/>
+  </dgm:styleLbl>
+  <dgm:styleLbl name="vennNode1">
+    <dgm:fillClrLst meth="repeat">
+      <a:schemeClr val="accent1">
+        <a:alpha val="50000"/>
+      </a:schemeClr>
+    </dgm:fillClrLst>
+    <dgm:linClrLst meth="repeat">
+      <a:schemeClr val="lt1"/>
+    </dgm:linClrLst>
+    <dgm:effectClrLst/>
+    <dgm:txLinClrLst/>
+    <dgm:txFillClrLst/>
+    <dgm:txEffectClrLst/>
+  </dgm:styleLbl>
+  <dgm:styleLbl name="node2">
+    <dgm:fillClrLst meth="repeat">
+      <a:schemeClr val="accent1"/>
+    </dgm:fillClrLst>
+    <dgm:linClrLst meth="repeat">
+      <a:schemeClr val="lt1"/>
+    </dgm:linClrLst>
+    <dgm:effectClrLst/>
+    <dgm:txLinClrLst/>
+    <dgm:txFillClrLst/>
+    <dgm:txEffectClrLst/>
+  </dgm:styleLbl>
+  <dgm:styleLbl name="node3">
+    <dgm:fillClrLst meth="repeat">
+      <a:schemeClr val="accent1"/>
+    </dgm:fillClrLst>
+    <dgm:linClrLst meth="repeat">
+      <a:schemeClr val="lt1"/>
+    </dgm:linClrLst>
+    <dgm:effectClrLst/>
+    <dgm:txLinClrLst/>
+    <dgm:txFillClrLst/>
+    <dgm:txEffectClrLst/>
+  </dgm:styleLbl>
+  <dgm:styleLbl name="node4">
+    <dgm:fillClrLst meth="repeat">
+      <a:schemeClr val="accent1"/>
+    </dgm:fillClrLst>
+    <dgm:linClrLst meth="repeat">
+      <a:schemeClr val="lt1"/>
+    </dgm:linClrLst>
+    <dgm:effectClrLst/>
+    <dgm:txLinClrLst/>
+    <dgm:txFillClrLst/>
+    <dgm:txEffectClrLst/>
+  </dgm:styleLbl>
+  <dgm:styleLbl name="fgImgPlace1">
+    <dgm:fillClrLst meth="repeat">
+      <a:schemeClr val="accent1">
+        <a:tint val="50000"/>
+      </a:schemeClr>
+    </dgm:fillClrLst>
+    <dgm:linClrLst meth="repeat">
+      <a:schemeClr val="lt1"/>
+    </dgm:linClrLst>
+    <dgm:effectClrLst/>
+    <dgm:txLinClrLst/>
+    <dgm:txFillClrLst meth="repeat">
+      <a:schemeClr val="lt1"/>
+    </dgm:txFillClrLst>
+    <dgm:txEffectClrLst/>
+  </dgm:styleLbl>
+  <dgm:styleLbl name="alignImgPlace1">
+    <dgm:fillClrLst meth="repeat">
+      <a:schemeClr val="accent1">
+        <a:tint val="50000"/>
+      </a:schemeClr>
+    </dgm:fillClrLst>
+    <dgm:linClrLst meth="repeat">
+      <a:schemeClr val="lt1"/>
+    </dgm:linClrLst>
+    <dgm:effectClrLst/>
+    <dgm:txLinClrLst/>
+    <dgm:txFillClrLst meth="repeat">
+      <a:schemeClr val="lt1"/>
+    </dgm:txFillClrLst>
+    <dgm:txEffectClrLst/>
+  </dgm:styleLbl>
+  <dgm:styleLbl name="bgImgPlace1">
+    <dgm:fillClrLst meth="repeat">
+      <a:schemeClr val="accent1">
+        <a:tint val="50000"/>
+      </a:schemeClr>
+    </dgm:fillClrLst>
+    <dgm:linClrLst meth="repeat">
+      <a:schemeClr val="lt1"/>
+    </dgm:linClrLst>
+    <dgm:effectClrLst/>
+    <dgm:txLinClrLst/>
+    <dgm:txFillClrLst meth="repeat">
+      <a:schemeClr val="lt1"/>
+    </dgm:txFillClrLst>
+    <dgm:txEffectClrLst/>
+  </dgm:styleLbl>
+  <dgm:styleLbl name="sibTrans2D1">
+    <dgm:fillClrLst meth="repeat">
+      <a:schemeClr val="accent1">
+        <a:tint val="60000"/>
+      </a:schemeClr>
+    </dgm:fillClrLst>
+    <dgm:linClrLst meth="repeat">
+      <a:schemeClr val="accent1">
+        <a:tint val="60000"/>
+      </a:schemeClr>
+    </dgm:linClrLst>
+    <dgm:effectClrLst/>
+    <dgm:txLinClrLst/>
+    <dgm:txFillClrLst/>
+    <dgm:txEffectClrLst/>
+  </dgm:styleLbl>
+  <dgm:styleLbl name="fgSibTrans2D1">
+    <dgm:fillClrLst meth="repeat">
+      <a:schemeClr val="accent1">
+        <a:tint val="60000"/>
+      </a:schemeClr>
+    </dgm:fillClrLst>
+    <dgm:linClrLst meth="repeat">
+      <a:schemeClr val="accent1">
+        <a:tint val="60000"/>
+      </a:schemeClr>
+    </dgm:linClrLst>
+    <dgm:effectClrLst/>
+    <dgm:txLinClrLst/>
+    <dgm:txFillClrLst/>
+    <dgm:txEffectClrLst/>
+  </dgm:styleLbl>
+  <dgm:styleLbl name="bgSibTrans2D1">
+    <dgm:fillClrLst meth="repeat">
+      <a:schemeClr val="accent1">
+        <a:tint val="60000"/>
+      </a:schemeClr>
+    </dgm:fillClrLst>
+    <dgm:linClrLst meth="repeat">
+      <a:schemeClr val="accent1">
+        <a:tint val="60000"/>
+      </a:schemeClr>
+    </dgm:linClrLst>
+    <dgm:effectClrLst/>
+    <dgm:txLinClrLst/>
+    <dgm:txFillClrLst/>
+    <dgm:txEffectClrLst/>
+  </dgm:styleLbl>
+  <dgm:styleLbl name="sibTrans1D1">
+    <dgm:fillClrLst meth="repeat">
+      <a:schemeClr val="accent1"/>
+    </dgm:fillClrLst>
+    <dgm:linClrLst meth="repeat">
+      <a:schemeClr val="accent1"/>
+    </dgm:linClrLst>
+    <dgm:effectClrLst/>
+    <dgm:txLinClrLst/>
+    <dgm:txFillClrLst meth="repeat">
+      <a:schemeClr val="tx1"/>
+    </dgm:txFillClrLst>
+    <dgm:txEffectClrLst/>
+  </dgm:styleLbl>
+  <dgm:styleLbl name="callout">
+    <dgm:fillClrLst meth="repeat">
+      <a:schemeClr val="accent1"/>
+    </dgm:fillClrLst>
+    <dgm:linClrLst meth="repeat">
+      <a:schemeClr val="accent1">
+        <a:tint val="50000"/>
+      </a:schemeClr>
+    </dgm:linClrLst>
+    <dgm:effectClrLst/>
+    <dgm:txLinClrLst/>
+    <dgm:txFillClrLst meth="repeat">
+      <a:schemeClr val="tx1"/>
+    </dgm:txFillClrLst>
+    <dgm:txEffectClrLst/>
+  </dgm:styleLbl>
+  <dgm:styleLbl name="asst0">
+    <dgm:fillClrLst meth="repeat">
+      <a:schemeClr val="accent1"/>
+    </dgm:fillClrLst>
+    <dgm:linClrLst meth="repeat">
+      <a:schemeClr val="lt1"/>
+    </dgm:linClrLst>
+    <dgm:effectClrLst/>
+    <dgm:txLinClrLst/>
+    <dgm:txFillClrLst/>
+    <dgm:txEffectClrLst/>
+  </dgm:styleLbl>
+  <dgm:styleLbl name="asst1">
+    <dgm:fillClrLst meth="repeat">
+      <a:schemeClr val="accent1"/>
+    </dgm:fillClrLst>
+    <dgm:linClrLst meth="repeat">
+      <a:schemeClr val="lt1"/>
+    </dgm:linClrLst>
+    <dgm:effectClrLst/>
+    <dgm:txLinClrLst/>
+    <dgm:txFillClrLst/>
+    <dgm:txEffectClrLst/>
+  </dgm:styleLbl>
+  <dgm:styleLbl name="asst2">
+    <dgm:fillClrLst meth="repeat">
+      <a:schemeClr val="accent1"/>
+    </dgm:fillClrLst>
+    <dgm:linClrLst meth="repeat">
+      <a:schemeClr val="lt1"/>
+    </dgm:linClrLst>
+    <dgm:effectClrLst/>
+    <dgm:txLinClrLst/>
+    <dgm:txFillClrLst/>
+    <dgm:txEffectClrLst/>
+  </dgm:styleLbl>
+  <dgm:styleLbl name="asst3">
+    <dgm:fillClrLst meth="repeat">
+      <a:schemeClr val="accent1"/>
+    </dgm:fillClrLst>
+    <dgm:linClrLst meth="repeat">
+      <a:schemeClr val="lt1"/>
+    </dgm:linClrLst>
+    <dgm:effectClrLst/>
+    <dgm:txLinClrLst/>
+    <dgm:txFillClrLst/>
+    <dgm:txEffectClrLst/>
+  </dgm:styleLbl>
+  <dgm:styleLbl name="asst4">
+    <dgm:fillClrLst meth="repeat">
+      <a:schemeClr val="accent1"/>
+    </dgm:fillClrLst>
+    <dgm:linClrLst meth="repeat">
+      <a:schemeClr val="lt1"/>
+    </dgm:linClrLst>
+    <dgm:effectClrLst/>
+    <dgm:txLinClrLst/>
+    <dgm:txFillClrLst/>
+    <dgm:txEffectClrLst/>
+  </dgm:styleLbl>
+  <dgm:styleLbl name="parChTrans2D1">
+    <dgm:fillClrLst meth="repeat">
+      <a:schemeClr val="accent1">
+        <a:tint val="60000"/>
+      </a:schemeClr>
+    </dgm:fillClrLst>
+    <dgm:linClrLst meth="repeat">
+      <a:schemeClr val="accent1">
+        <a:tint val="60000"/>
+      </a:schemeClr>
+    </dgm:linClrLst>
+    <dgm:effectClrLst/>
+    <dgm:txLinClrLst/>
+    <dgm:txFillClrLst meth="repeat">
+      <a:schemeClr val="lt1"/>
+    </dgm:txFillClrLst>
+    <dgm:txEffectClrLst/>
+  </dgm:styleLbl>
+  <dgm:styleLbl name="parChTrans2D2">
+    <dgm:fillClrLst meth="repeat">
+      <a:schemeClr val="accent1"/>
+    </dgm:fillClrLst>
+    <dgm:linClrLst meth="repeat">
+      <a:schemeClr val="accent1"/>
+    </dgm:linClrLst>
+    <dgm:effectClrLst/>
+    <dgm:txLinClrLst/>
+    <dgm:txFillClrLst meth="repeat">
+      <a:schemeClr val="lt1"/>
+    </dgm:txFillClrLst>
+    <dgm:txEffectClrLst/>
+  </dgm:styleLbl>
+  <dgm:styleLbl name="parChTrans2D3">
+    <dgm:fillClrLst meth="repeat">
+      <a:schemeClr val="accent1"/>
+    </dgm:fillClrLst>
+    <dgm:linClrLst meth="repeat">
+      <a:schemeClr val="accent1"/>
+    </dgm:linClrLst>
+    <dgm:effectClrLst/>
+    <dgm:txLinClrLst/>
+    <dgm:txFillClrLst meth="repeat">
+      <a:schemeClr val="lt1"/>
+    </dgm:txFillClrLst>
+    <dgm:txEffectClrLst/>
+  </dgm:styleLbl>
+  <dgm:styleLbl name="parChTrans2D4">
+    <dgm:fillClrLst meth="repeat">
+      <a:schemeClr val="accent1"/>
+    </dgm:fillClrLst>
+    <dgm:linClrLst meth="repeat">
+      <a:schemeClr val="accent1"/>
+    </dgm:linClrLst>
+    <dgm:effectClrLst/>
+    <dgm:txLinClrLst/>
+    <dgm:txFillClrLst meth="repeat">
+      <a:schemeClr val="lt1"/>
+    </dgm:txFillClrLst>
+    <dgm:txEffectClrLst/>
+  </dgm:styleLbl>
+  <dgm:styleLbl name="parChTrans1D1">
+    <dgm:fillClrLst meth="repeat">
+      <a:schemeClr val="accent1"/>
+    </dgm:fillClrLst>
+    <dgm:linClrLst meth="repeat">
+      <a:schemeClr val="accent1">
+        <a:shade val="60000"/>
+      </a:schemeClr>
+    </dgm:linClrLst>
+    <dgm:effectClrLst/>
+    <dgm:txLinClrLst/>
+    <dgm:txFillClrLst meth="repeat">
+      <a:schemeClr val="tx1"/>
+    </dgm:txFillClrLst>
+    <dgm:txEffectClrLst/>
+  </dgm:styleLbl>
+  <dgm:styleLbl name="parChTrans1D2">
+    <dgm:fillClrLst meth="repeat">
+      <a:schemeClr val="accent1"/>
+    </dgm:fillClrLst>
+    <dgm:linClrLst meth="repeat">
+      <a:schemeClr val="accent1">
+        <a:shade val="60000"/>
+      </a:schemeClr>
+    </dgm:linClrLst>
+    <dgm:effectClrLst/>
+    <dgm:txLinClrLst/>
+    <dgm:txFillClrLst meth="repeat">
+      <a:schemeClr val="tx1"/>
+    </dgm:txFillClrLst>
+    <dgm:txEffectClrLst/>
+  </dgm:styleLbl>
+  <dgm:styleLbl name="parChTrans1D3">
+    <dgm:fillClrLst meth="repeat">
+      <a:schemeClr val="accent1"/>
+    </dgm:fillClrLst>
+    <dgm:linClrLst meth="repeat">
+      <a:schemeClr val="accent1">
+        <a:shade val="80000"/>
+      </a:schemeClr>
+    </dgm:linClrLst>
+    <dgm:effectClrLst/>
+    <dgm:txLinClrLst/>
+    <dgm:txFillClrLst meth="repeat">
+      <a:schemeClr val="tx1"/>
+    </dgm:txFillClrLst>
+    <dgm:txEffectClrLst/>
+  </dgm:styleLbl>
+  <dgm:styleLbl name="parChTrans1D4">
+    <dgm:fillClrLst meth="repeat">
+      <a:schemeClr val="accent1"/>
+    </dgm:fillClrLst>
+    <dgm:linClrLst meth="repeat">
+      <a:schemeClr val="accent1">
+        <a:shade val="80000"/>
+      </a:schemeClr>
+    </dgm:linClrLst>
+    <dgm:effectClrLst/>
+    <dgm:txLinClrLst/>
+    <dgm:txFillClrLst meth="repeat">
+      <a:schemeClr val="tx1"/>
+    </dgm:txFillClrLst>
+    <dgm:txEffectClrLst/>
+  </dgm:styleLbl>
+  <dgm:styleLbl name="fgAcc1">
+    <dgm:fillClrLst meth="repeat">
+      <a:schemeClr val="lt1">
+        <a:alpha val="90000"/>
+      </a:schemeClr>
+    </dgm:fillClrLst>
+    <dgm:linClrLst meth="repeat">
+      <a:schemeClr val="accent1"/>
+    </dgm:linClrLst>
+    <dgm:effectClrLst/>
+    <dgm:txLinClrLst/>
+    <dgm:txFillClrLst meth="repeat">
+      <a:schemeClr val="dk1"/>
+    </dgm:txFillClrLst>
+    <dgm:txEffectClrLst/>
+  </dgm:styleLbl>
+  <dgm:styleLbl name="conFgAcc1">
+    <dgm:fillClrLst meth="repeat">
+      <a:schemeClr val="lt1">
+        <a:alpha val="90000"/>
+      </a:schemeClr>
+    </dgm:fillClrLst>
+    <dgm:linClrLst meth="repeat">
+      <a:schemeClr val="accent1"/>
+    </dgm:linClrLst>
+    <dgm:effectClrLst/>
+    <dgm:txLinClrLst/>
+    <dgm:txFillClrLst meth="repeat">
+      <a:schemeClr val="dk1"/>
+    </dgm:txFillClrLst>
+    <dgm:txEffectClrLst/>
+  </dgm:styleLbl>
+  <dgm:styleLbl name="alignAcc1">
+    <dgm:fillClrLst meth="repeat">
+      <a:schemeClr val="lt1">
+        <a:alpha val="90000"/>
+      </a:schemeClr>
+    </dgm:fillClrLst>
+    <dgm:linClrLst meth="repeat">
+      <a:schemeClr val="accent1"/>
+    </dgm:linClrLst>
+    <dgm:effectClrLst/>
+    <dgm:txLinClrLst/>
+    <dgm:txFillClrLst meth="repeat">
+      <a:schemeClr val="dk1"/>
+    </dgm:txFillClrLst>
+    <dgm:txEffectClrLst/>
+  </dgm:styleLbl>
+  <dgm:styleLbl name="trAlignAcc1">
+    <dgm:fillClrLst meth="repeat">
+      <a:schemeClr val="lt1">
+        <a:alpha val="40000"/>
+      </a:schemeClr>
+    </dgm:fillClrLst>
+    <dgm:linClrLst meth="repeat">
+      <a:schemeClr val="accent1"/>
+    </dgm:linClrLst>
+    <dgm:effectClrLst/>
+    <dgm:txLinClrLst/>
+    <dgm:txFillClrLst meth="repeat">
+      <a:schemeClr val="dk1"/>
+    </dgm:txFillClrLst>
+    <dgm:txEffectClrLst/>
+  </dgm:styleLbl>
+  <dgm:styleLbl name="bgAcc1">
+    <dgm:fillClrLst meth="repeat">
+      <a:schemeClr val="lt1">
+        <a:alpha val="90000"/>
+      </a:schemeClr>
+    </dgm:fillClrLst>
+    <dgm:linClrLst meth="repeat">
+      <a:schemeClr val="accent1"/>
+    </dgm:linClrLst>
+    <dgm:effectClrLst/>
+    <dgm:txLinClrLst/>
+    <dgm:txFillClrLst meth="repeat">
+      <a:schemeClr val="dk1"/>
+    </dgm:txFillClrLst>
+    <dgm:txEffectClrLst/>
+  </dgm:styleLbl>
+  <dgm:styleLbl name="solidFgAcc1">
+    <dgm:fillClrLst meth="repeat">
+      <a:schemeClr val="lt1"/>
+    </dgm:fillClrLst>
+    <dgm:linClrLst meth="repeat">
+      <a:schemeClr val="accent1"/>
+    </dgm:linClrLst>
+    <dgm:effectClrLst/>
+    <dgm:txLinClrLst/>
+    <dgm:txFillClrLst meth="repeat">
+      <a:schemeClr val="dk1"/>
+    </dgm:txFillClrLst>
+    <dgm:txEffectClrLst/>
+  </dgm:styleLbl>
+  <dgm:styleLbl name="solidAlignAcc1">
+    <dgm:fillClrLst meth="repeat">
+      <a:schemeClr val="lt1"/>
+    </dgm:fillClrLst>
+    <dgm:linClrLst meth="repeat">
+      <a:schemeClr val="accent1"/>
+    </dgm:linClrLst>
+    <dgm:effectClrLst/>
+    <dgm:txLinClrLst/>
+    <dgm:txFillClrLst meth="repeat">
+      <a:schemeClr val="dk1"/>
+    </dgm:txFillClrLst>
+    <dgm:txEffectClrLst/>
+  </dgm:styleLbl>
+  <dgm:styleLbl name="solidBgAcc1">
+    <dgm:fillClrLst meth="repeat">
+      <a:schemeClr val="lt1"/>
+    </dgm:fillClrLst>
+    <dgm:linClrLst meth="repeat">
+      <a:schemeClr val="accent1"/>
+    </dgm:linClrLst>
+    <dgm:effectClrLst/>
+    <dgm:txLinClrLst/>
+    <dgm:txFillClrLst meth="repeat">
+      <a:schemeClr val="dk1"/>
+    </dgm:txFillClrLst>
+    <dgm:txEffectClrLst/>
+  </dgm:styleLbl>
+  <dgm:styleLbl name="fgAccFollowNode1">
+    <dgm:fillClrLst meth="repeat">
+      <a:schemeClr val="accent1">
+        <a:alpha val="90000"/>
+        <a:tint val="40000"/>
+      </a:schemeClr>
+    </dgm:fillClrLst>
+    <dgm:linClrLst meth="repeat">
+      <a:schemeClr val="accent1">
+        <a:alpha val="90000"/>
+        <a:tint val="40000"/>
+      </a:schemeClr>
+    </dgm:linClrLst>
+    <dgm:effectClrLst/>
+    <dgm:txLinClrLst/>
+    <dgm:txFillClrLst meth="repeat">
+      <a:schemeClr val="dk1"/>
+    </dgm:txFillClrLst>
+    <dgm:txEffectClrLst/>
+  </dgm:styleLbl>
+  <dgm:styleLbl name="alignAccFollowNode1">
+    <dgm:fillClrLst meth="repeat">
+      <a:schemeClr val="accent1">
+        <a:alpha val="90000"/>
+        <a:tint val="40000"/>
+      </a:schemeClr>
+    </dgm:fillClrLst>
+    <dgm:linClrLst meth="repeat">
+      <a:schemeClr val="accent1">
+        <a:alpha val="90000"/>
+        <a:tint val="40000"/>
+      </a:schemeClr>
+    </dgm:linClrLst>
+    <dgm:effectClrLst/>
+    <dgm:txLinClrLst/>
+    <dgm:txFillClrLst meth="repeat">
+      <a:schemeClr val="dk1"/>
+    </dgm:txFillClrLst>
+    <dgm:txEffectClrLst/>
+  </dgm:styleLbl>
+  <dgm:styleLbl name="bgAccFollowNode1">
+    <dgm:fillClrLst meth="repeat">
+      <a:schemeClr val="accent1">
+        <a:alpha val="90000"/>
+        <a:tint val="40000"/>
+      </a:schemeClr>
+    </dgm:fillClrLst>
+    <dgm:linClrLst meth="repeat">
+      <a:schemeClr val="accent1">
+        <a:alpha val="90000"/>
+        <a:tint val="40000"/>
+      </a:schemeClr>
+    </dgm:linClrLst>
+    <dgm:effectClrLst/>
+    <dgm:txLinClrLst/>
+    <dgm:txFillClrLst meth="repeat">
+      <a:schemeClr val="dk1"/>
+    </dgm:txFillClrLst>
+    <dgm:txEffectClrLst/>
+  </dgm:styleLbl>
+  <dgm:styleLbl name="fgAcc0">
+    <dgm:fillClrLst meth="repeat">
+      <a:schemeClr val="lt1">
+        <a:alpha val="90000"/>
+      </a:schemeClr>
+    </dgm:fillClrLst>
+    <dgm:linClrLst meth="repeat">
+      <a:schemeClr val="accent1"/>
+    </dgm:linClrLst>
+    <dgm:effectClrLst/>
+    <dgm:txLinClrLst/>
+    <dgm:txFillClrLst meth="repeat">
+      <a:schemeClr val="dk1"/>
+    </dgm:txFillClrLst>
+    <dgm:txEffectClrLst/>
+  </dgm:styleLbl>
+  <dgm:styleLbl name="fgAcc2">
+    <dgm:fillClrLst meth="repeat">
+      <a:schemeClr val="lt1">
+        <a:alpha val="90000"/>
+      </a:schemeClr>
+    </dgm:fillClrLst>
+    <dgm:linClrLst meth="repeat">
+      <a:schemeClr val="accent1"/>
+    </dgm:linClrLst>
+    <dgm:effectClrLst/>
+    <dgm:txLinClrLst/>
+    <dgm:txFillClrLst meth="repeat">
+      <a:schemeClr val="dk1"/>
+    </dgm:txFillClrLst>
+    <dgm:txEffectClrLst/>
+  </dgm:styleLbl>
+  <dgm:styleLbl name="fgAcc3">
+    <dgm:fillClrLst meth="repeat">
+      <a:schemeClr val="lt1">
+        <a:alpha val="90000"/>
+      </a:schemeClr>
+    </dgm:fillClrLst>
+    <dgm:linClrLst meth="repeat">
+      <a:schemeClr val="accent1"/>
+    </dgm:linClrLst>
+    <dgm:effectClrLst/>
+    <dgm:txLinClrLst/>
+    <dgm:txFillClrLst meth="repeat">
+      <a:schemeClr val="dk1"/>
+    </dgm:txFillClrLst>
+    <dgm:txEffectClrLst/>
+  </dgm:styleLbl>
+  <dgm:styleLbl name="fgAcc4">
+    <dgm:fillClrLst meth="repeat">
+      <a:schemeClr val="lt1">
+        <a:alpha val="90000"/>
+      </a:schemeClr>
+    </dgm:fillClrLst>
+    <dgm:linClrLst meth="repeat">
+      <a:schemeClr val="accent1"/>
+    </dgm:linClrLst>
+    <dgm:effectClrLst/>
+    <dgm:txLinClrLst/>
+    <dgm:txFillClrLst meth="repeat">
+      <a:schemeClr val="dk1"/>
+    </dgm:txFillClrLst>
+    <dgm:txEffectClrLst/>
+  </dgm:styleLbl>
+  <dgm:styleLbl name="bgShp">
+    <dgm:fillClrLst meth="repeat">
+      <a:schemeClr val="accent1">
+        <a:tint val="40000"/>
+      </a:schemeClr>
+    </dgm:fillClrLst>
+    <dgm:linClrLst meth="repeat">
+      <a:schemeClr val="accent1"/>
+    </dgm:linClrLst>
+    <dgm:effectClrLst/>
+    <dgm:txLinClrLst/>
+    <dgm:txFillClrLst meth="repeat">
+      <a:schemeClr val="dk1"/>
+    </dgm:txFillClrLst>
+    <dgm:txEffectClrLst/>
+  </dgm:styleLbl>
+  <dgm:styleLbl name="dkBgShp">
+    <dgm:fillClrLst meth="repeat">
+      <a:schemeClr val="accent1">
+        <a:shade val="80000"/>
+      </a:schemeClr>
+    </dgm:fillClrLst>
+    <dgm:linClrLst meth="repeat">
+      <a:schemeClr val="accent1"/>
+    </dgm:linClrLst>
+    <dgm:effectClrLst/>
+    <dgm:txLinClrLst/>
+    <dgm:txFillClrLst meth="repeat">
+      <a:schemeClr val="lt1"/>
+    </dgm:txFillClrLst>
+    <dgm:txEffectClrLst/>
+  </dgm:styleLbl>
+  <dgm:styleLbl name="trBgShp">
+    <dgm:fillClrLst meth="repeat">
+      <a:schemeClr val="accent1">
+        <a:tint val="50000"/>
+        <a:alpha val="40000"/>
+      </a:schemeClr>
+    </dgm:fillClrLst>
+    <dgm:linClrLst meth="repeat">
+      <a:schemeClr val="accent1"/>
+    </dgm:linClrLst>
+    <dgm:effectClrLst/>
+    <dgm:txLinClrLst/>
+    <dgm:txFillClrLst meth="repeat">
+      <a:schemeClr val="lt1"/>
+    </dgm:txFillClrLst>
+    <dgm:txEffectClrLst/>
+  </dgm:styleLbl>
+  <dgm:styleLbl name="fgShp">
+    <dgm:fillClrLst meth="repeat">
+      <a:schemeClr val="accent1">
+        <a:tint val="60000"/>
+      </a:schemeClr>
+    </dgm:fillClrLst>
+    <dgm:linClrLst meth="repeat">
+      <a:schemeClr val="lt1"/>
+    </dgm:linClrLst>
+    <dgm:effectClrLst/>
+    <dgm:txLinClrLst/>
+    <dgm:txFillClrLst meth="repeat">
+      <a:schemeClr val="dk1"/>
+    </dgm:txFillClrLst>
+    <dgm:txEffectClrLst/>
+  </dgm:styleLbl>
+  <dgm:styleLbl name="revTx">
+    <dgm:fillClrLst meth="repeat">
+      <a:schemeClr val="lt1">
+        <a:alpha val="0"/>
+      </a:schemeClr>
+    </dgm:fillClrLst>
+    <dgm:linClrLst meth="repeat">
+      <a:schemeClr val="dk1">
+        <a:alpha val="0"/>
+      </a:schemeClr>
+    </dgm:linClrLst>
+    <dgm:effectClrLst/>
+    <dgm:txLinClrLst/>
+    <dgm:txFillClrLst meth="repeat">
+      <a:schemeClr val="tx1"/>
+    </dgm:txFillClrLst>
+    <dgm:txEffectClrLst/>
+  </dgm:styleLbl>
+</dgm:colorsDef>
+</file>
+
+<file path=ppt/diagrams/colors2.xml><?xml version="1.0" encoding="utf-8"?>
 <dgm:colorsDef xmlns:dgm="http://schemas.openxmlformats.org/drawingml/2006/diagram" xmlns:a="http://schemas.openxmlformats.org/drawingml/2006/main" uniqueId="urn:microsoft.com/office/officeart/2005/8/colors/accent1_2">
   <dgm:title val=""/>
   <dgm:desc val=""/>
@@ -1349,6 +2098,532 @@
     <dgm:cxn modelId="{747D3FD9-101E-449F-AA2F-E1E8F3E2B3B2}" type="presParOf" srcId="{045D3213-4745-47C1-908D-A91039DA29A9}" destId="{4AD5C6C9-C7C0-42AE-88E2-CBDA533743E8}" srcOrd="4" destOrd="0" presId="urn:microsoft.com/office/officeart/2005/8/layout/StepDownProcess"/>
     <dgm:cxn modelId="{5B77C120-6AAD-43BF-911B-AD48C7C054E3}" type="presParOf" srcId="{4AD5C6C9-C7C0-42AE-88E2-CBDA533743E8}" destId="{5230F363-1585-487F-807B-C54DE4336C66}" srcOrd="0" destOrd="0" presId="urn:microsoft.com/office/officeart/2005/8/layout/StepDownProcess"/>
     <dgm:cxn modelId="{3345E533-51F3-4E19-A9B2-49F86FC92463}" type="presParOf" srcId="{4AD5C6C9-C7C0-42AE-88E2-CBDA533743E8}" destId="{086B3B7F-90ED-492D-BD35-97B0BE5B7127}" srcOrd="1" destOrd="0" presId="urn:microsoft.com/office/officeart/2005/8/layout/StepDownProcess"/>
+  </dgm:cxnLst>
+  <dgm:bg/>
+  <dgm:whole/>
+  <dgm:extLst>
+    <a:ext uri="http://schemas.microsoft.com/office/drawing/2008/diagram">
+      <dsp:dataModelExt xmlns:dsp="http://schemas.microsoft.com/office/drawing/2008/diagram" relId="rId6" minVer="http://schemas.openxmlformats.org/drawingml/2006/diagram"/>
+    </a:ext>
+  </dgm:extLst>
+</dgm:dataModel>
+</file>
+
+<file path=ppt/diagrams/data2.xml><?xml version="1.0" encoding="utf-8"?>
+<dgm:dataModel xmlns:dgm="http://schemas.openxmlformats.org/drawingml/2006/diagram" xmlns:a="http://schemas.openxmlformats.org/drawingml/2006/main">
+  <dgm:ptLst>
+    <dgm:pt modelId="{2ED34176-7E3B-4882-9D74-C83CE52FC288}" type="doc">
+      <dgm:prSet loTypeId="urn:microsoft.com/office/officeart/2005/8/layout/process3" loCatId="process" qsTypeId="urn:microsoft.com/office/officeart/2005/8/quickstyle/simple1" qsCatId="simple" csTypeId="urn:microsoft.com/office/officeart/2005/8/colors/accent1_2" csCatId="accent1" phldr="1"/>
+      <dgm:spPr/>
+      <dgm:t>
+        <a:bodyPr/>
+        <a:lstStyle/>
+        <a:p>
+          <a:endParaRPr lang="fr-FR"/>
+        </a:p>
+      </dgm:t>
+    </dgm:pt>
+    <dgm:pt modelId="{F3DD2766-95F3-4B32-AEED-E064EE67AC7F}">
+      <dgm:prSet phldrT="[Texte]"/>
+      <dgm:spPr/>
+      <dgm:t>
+        <a:bodyPr/>
+        <a:lstStyle/>
+        <a:p>
+          <a:r>
+            <a:rPr lang="fr-FR" dirty="0"/>
+            <a:t>National</a:t>
+          </a:r>
+        </a:p>
+      </dgm:t>
+    </dgm:pt>
+    <dgm:pt modelId="{311B8351-40CD-4650-B943-2B5AAB0B0779}" type="parTrans" cxnId="{31257E98-9638-4242-BC2D-A28A6DF3A715}">
+      <dgm:prSet/>
+      <dgm:spPr/>
+      <dgm:t>
+        <a:bodyPr/>
+        <a:lstStyle/>
+        <a:p>
+          <a:endParaRPr lang="fr-FR"/>
+        </a:p>
+      </dgm:t>
+    </dgm:pt>
+    <dgm:pt modelId="{F5DBF5DE-3850-4178-B64E-DDBC064A64BE}" type="sibTrans" cxnId="{31257E98-9638-4242-BC2D-A28A6DF3A715}">
+      <dgm:prSet/>
+      <dgm:spPr/>
+      <dgm:t>
+        <a:bodyPr/>
+        <a:lstStyle/>
+        <a:p>
+          <a:endParaRPr lang="fr-FR"/>
+        </a:p>
+      </dgm:t>
+    </dgm:pt>
+    <dgm:pt modelId="{3BE366E0-AC65-4C98-994D-59806EADE171}">
+      <dgm:prSet phldrT="[Texte]"/>
+      <dgm:spPr/>
+      <dgm:t>
+        <a:bodyPr/>
+        <a:lstStyle/>
+        <a:p>
+          <a:r>
+            <a:rPr lang="fr-FR" dirty="0"/>
+            <a:t>Question </a:t>
+          </a:r>
+          <a:r>
+            <a:rPr lang="fr-FR" dirty="0" err="1"/>
+            <a:t>difficulty</a:t>
+          </a:r>
+          <a:r>
+            <a:rPr lang="fr-FR" dirty="0"/>
+            <a:t> </a:t>
+          </a:r>
+          <a:r>
+            <a:rPr lang="fr-FR" dirty="0" err="1"/>
+            <a:t>clustering</a:t>
+          </a:r>
+          <a:endParaRPr lang="fr-FR" dirty="0"/>
+        </a:p>
+      </dgm:t>
+    </dgm:pt>
+    <dgm:pt modelId="{C432B3EE-3D90-4DA8-AA65-EDF7ABA62261}" type="parTrans" cxnId="{DBCEC1AE-7506-4354-AD6A-1498BDCC302C}">
+      <dgm:prSet/>
+      <dgm:spPr/>
+      <dgm:t>
+        <a:bodyPr/>
+        <a:lstStyle/>
+        <a:p>
+          <a:endParaRPr lang="fr-FR"/>
+        </a:p>
+      </dgm:t>
+    </dgm:pt>
+    <dgm:pt modelId="{EFEE150A-540E-4D56-AA4B-76D1BEC20495}" type="sibTrans" cxnId="{DBCEC1AE-7506-4354-AD6A-1498BDCC302C}">
+      <dgm:prSet/>
+      <dgm:spPr/>
+      <dgm:t>
+        <a:bodyPr/>
+        <a:lstStyle/>
+        <a:p>
+          <a:endParaRPr lang="fr-FR"/>
+        </a:p>
+      </dgm:t>
+    </dgm:pt>
+    <dgm:pt modelId="{6063B4E4-A9A6-4036-8849-92CAEC588C0E}">
+      <dgm:prSet phldrT="[Texte]"/>
+      <dgm:spPr/>
+      <dgm:t>
+        <a:bodyPr/>
+        <a:lstStyle/>
+        <a:p>
+          <a:r>
+            <a:rPr lang="fr-FR" dirty="0"/>
+            <a:t>Coach</a:t>
+          </a:r>
+        </a:p>
+      </dgm:t>
+    </dgm:pt>
+    <dgm:pt modelId="{0724EB4B-E399-4E31-9CB7-0427E67BFA11}" type="parTrans" cxnId="{A1E7B67A-37C1-4770-A361-93D267BEC464}">
+      <dgm:prSet/>
+      <dgm:spPr/>
+      <dgm:t>
+        <a:bodyPr/>
+        <a:lstStyle/>
+        <a:p>
+          <a:endParaRPr lang="fr-FR"/>
+        </a:p>
+      </dgm:t>
+    </dgm:pt>
+    <dgm:pt modelId="{BB67BFEA-FC23-43B1-A7D5-73279B49414F}" type="sibTrans" cxnId="{A1E7B67A-37C1-4770-A361-93D267BEC464}">
+      <dgm:prSet/>
+      <dgm:spPr/>
+      <dgm:t>
+        <a:bodyPr/>
+        <a:lstStyle/>
+        <a:p>
+          <a:endParaRPr lang="fr-FR"/>
+        </a:p>
+      </dgm:t>
+    </dgm:pt>
+    <dgm:pt modelId="{051FB8C8-1E23-45C7-BA20-B5D9EE31AE1D}">
+      <dgm:prSet phldrT="[Texte]"/>
+      <dgm:spPr/>
+      <dgm:t>
+        <a:bodyPr/>
+        <a:lstStyle/>
+        <a:p>
+          <a:r>
+            <a:rPr lang="fr-FR" dirty="0"/>
+            <a:t>Peer </a:t>
+          </a:r>
+          <a:r>
+            <a:rPr lang="fr-FR" dirty="0" err="1"/>
+            <a:t>learning</a:t>
+          </a:r>
+          <a:endParaRPr lang="fr-FR" dirty="0"/>
+        </a:p>
+      </dgm:t>
+    </dgm:pt>
+    <dgm:pt modelId="{27B5B824-9395-463E-84B3-B10C11644769}" type="parTrans" cxnId="{BE9184AE-903A-4691-9088-9B767D76DFC6}">
+      <dgm:prSet/>
+      <dgm:spPr/>
+      <dgm:t>
+        <a:bodyPr/>
+        <a:lstStyle/>
+        <a:p>
+          <a:endParaRPr lang="fr-FR"/>
+        </a:p>
+      </dgm:t>
+    </dgm:pt>
+    <dgm:pt modelId="{269A58BB-10CD-4C40-B962-03A9BFCE8A27}" type="sibTrans" cxnId="{BE9184AE-903A-4691-9088-9B767D76DFC6}">
+      <dgm:prSet/>
+      <dgm:spPr/>
+      <dgm:t>
+        <a:bodyPr/>
+        <a:lstStyle/>
+        <a:p>
+          <a:endParaRPr lang="fr-FR"/>
+        </a:p>
+      </dgm:t>
+    </dgm:pt>
+    <dgm:pt modelId="{6D0706EB-65A6-42DD-B05E-2F5A3F02BCA8}">
+      <dgm:prSet phldrT="[Texte]"/>
+      <dgm:spPr/>
+      <dgm:t>
+        <a:bodyPr/>
+        <a:lstStyle/>
+        <a:p>
+          <a:r>
+            <a:rPr lang="fr-FR" dirty="0" err="1"/>
+            <a:t>Pupil</a:t>
+          </a:r>
+          <a:endParaRPr lang="fr-FR" dirty="0"/>
+        </a:p>
+      </dgm:t>
+    </dgm:pt>
+    <dgm:pt modelId="{877DA269-5410-4BD3-84CE-1E53E4EB4985}" type="parTrans" cxnId="{E961B543-4C93-45A6-AD80-BC2201A25ED7}">
+      <dgm:prSet/>
+      <dgm:spPr/>
+      <dgm:t>
+        <a:bodyPr/>
+        <a:lstStyle/>
+        <a:p>
+          <a:endParaRPr lang="fr-FR"/>
+        </a:p>
+      </dgm:t>
+    </dgm:pt>
+    <dgm:pt modelId="{462CAF7C-5A7E-4A84-B702-B7EB0103A5A1}" type="sibTrans" cxnId="{E961B543-4C93-45A6-AD80-BC2201A25ED7}">
+      <dgm:prSet/>
+      <dgm:spPr/>
+      <dgm:t>
+        <a:bodyPr/>
+        <a:lstStyle/>
+        <a:p>
+          <a:endParaRPr lang="fr-FR"/>
+        </a:p>
+      </dgm:t>
+    </dgm:pt>
+    <dgm:pt modelId="{A63866AE-2D02-44AC-8013-EB09212BA7D0}">
+      <dgm:prSet phldrT="[Texte]"/>
+      <dgm:spPr/>
+      <dgm:t>
+        <a:bodyPr/>
+        <a:lstStyle/>
+        <a:p>
+          <a:r>
+            <a:rPr lang="fr-FR" dirty="0"/>
+            <a:t>Perso. set of question</a:t>
+          </a:r>
+        </a:p>
+      </dgm:t>
+    </dgm:pt>
+    <dgm:pt modelId="{500FF69C-429A-49C5-8E8A-E502B355FE26}" type="parTrans" cxnId="{26EBB84C-192F-4A0D-A9C3-EC770BEEA4CE}">
+      <dgm:prSet/>
+      <dgm:spPr/>
+      <dgm:t>
+        <a:bodyPr/>
+        <a:lstStyle/>
+        <a:p>
+          <a:endParaRPr lang="fr-FR"/>
+        </a:p>
+      </dgm:t>
+    </dgm:pt>
+    <dgm:pt modelId="{481987D7-05BB-448D-A467-890F01DDB0E3}" type="sibTrans" cxnId="{26EBB84C-192F-4A0D-A9C3-EC770BEEA4CE}">
+      <dgm:prSet/>
+      <dgm:spPr/>
+      <dgm:t>
+        <a:bodyPr/>
+        <a:lstStyle/>
+        <a:p>
+          <a:endParaRPr lang="fr-FR"/>
+        </a:p>
+      </dgm:t>
+    </dgm:pt>
+    <dgm:pt modelId="{F91A08B1-6E15-41A7-9E13-122D709D206A}">
+      <dgm:prSet phldrT="[Texte]"/>
+      <dgm:spPr/>
+      <dgm:t>
+        <a:bodyPr/>
+        <a:lstStyle/>
+        <a:p>
+          <a:r>
+            <a:rPr lang="fr-FR" dirty="0" err="1"/>
+            <a:t>Results</a:t>
+          </a:r>
+          <a:r>
+            <a:rPr lang="fr-FR" dirty="0"/>
+            <a:t> visualisation</a:t>
+          </a:r>
+        </a:p>
+      </dgm:t>
+    </dgm:pt>
+    <dgm:pt modelId="{EA8F8B53-462F-469E-A791-AAD56E443611}" type="parTrans" cxnId="{BBBAE843-BD70-4DE4-BC1F-9A376698F1B3}">
+      <dgm:prSet/>
+      <dgm:spPr/>
+      <dgm:t>
+        <a:bodyPr/>
+        <a:lstStyle/>
+        <a:p>
+          <a:endParaRPr lang="fr-FR"/>
+        </a:p>
+      </dgm:t>
+    </dgm:pt>
+    <dgm:pt modelId="{4B648BC8-79C7-44F4-92B9-43BD5AA5F4D0}" type="sibTrans" cxnId="{BBBAE843-BD70-4DE4-BC1F-9A376698F1B3}">
+      <dgm:prSet/>
+      <dgm:spPr/>
+      <dgm:t>
+        <a:bodyPr/>
+        <a:lstStyle/>
+        <a:p>
+          <a:endParaRPr lang="fr-FR"/>
+        </a:p>
+      </dgm:t>
+    </dgm:pt>
+    <dgm:pt modelId="{0794BBF0-5DC4-4A30-A815-64099FF38783}">
+      <dgm:prSet phldrT="[Texte]"/>
+      <dgm:spPr/>
+      <dgm:t>
+        <a:bodyPr/>
+        <a:lstStyle/>
+        <a:p>
+          <a:r>
+            <a:rPr lang="fr-FR" dirty="0"/>
+            <a:t>Exam </a:t>
+          </a:r>
+          <a:r>
+            <a:rPr lang="fr-FR" dirty="0" err="1"/>
+            <a:t>alert</a:t>
+          </a:r>
+          <a:endParaRPr lang="fr-FR" dirty="0"/>
+        </a:p>
+      </dgm:t>
+    </dgm:pt>
+    <dgm:pt modelId="{BC5BC420-9F75-497F-8F2C-6F20592E9B98}" type="parTrans" cxnId="{601C201B-51D9-456F-89C9-86D74C1433F7}">
+      <dgm:prSet/>
+      <dgm:spPr/>
+      <dgm:t>
+        <a:bodyPr/>
+        <a:lstStyle/>
+        <a:p>
+          <a:endParaRPr lang="fr-FR"/>
+        </a:p>
+      </dgm:t>
+    </dgm:pt>
+    <dgm:pt modelId="{2F9FD247-7594-495F-B279-C86BE9BB5FD7}" type="sibTrans" cxnId="{601C201B-51D9-456F-89C9-86D74C1433F7}">
+      <dgm:prSet/>
+      <dgm:spPr/>
+      <dgm:t>
+        <a:bodyPr/>
+        <a:lstStyle/>
+        <a:p>
+          <a:endParaRPr lang="fr-FR"/>
+        </a:p>
+      </dgm:t>
+    </dgm:pt>
+    <dgm:pt modelId="{2EC2F96E-212C-4FAE-9168-F17D257EFF35}">
+      <dgm:prSet phldrT="[Texte]"/>
+      <dgm:spPr/>
+      <dgm:t>
+        <a:bodyPr/>
+        <a:lstStyle/>
+        <a:p>
+          <a:r>
+            <a:rPr lang="fr-FR" dirty="0" err="1"/>
+            <a:t>Gamification</a:t>
+          </a:r>
+          <a:endParaRPr lang="fr-FR" dirty="0"/>
+        </a:p>
+      </dgm:t>
+    </dgm:pt>
+    <dgm:pt modelId="{4AE7E2F1-1205-43B8-91D6-8345A5D09764}" type="parTrans" cxnId="{FED12D30-8C6F-42F2-986E-A45CE40AB64D}">
+      <dgm:prSet/>
+      <dgm:spPr/>
+      <dgm:t>
+        <a:bodyPr/>
+        <a:lstStyle/>
+        <a:p>
+          <a:endParaRPr lang="fr-FR"/>
+        </a:p>
+      </dgm:t>
+    </dgm:pt>
+    <dgm:pt modelId="{1033A10B-FC43-4C60-9FBC-B67BA118F736}" type="sibTrans" cxnId="{FED12D30-8C6F-42F2-986E-A45CE40AB64D}">
+      <dgm:prSet/>
+      <dgm:spPr/>
+      <dgm:t>
+        <a:bodyPr/>
+        <a:lstStyle/>
+        <a:p>
+          <a:endParaRPr lang="fr-FR"/>
+        </a:p>
+      </dgm:t>
+    </dgm:pt>
+    <dgm:pt modelId="{257B2513-53FB-43CB-B049-EEC683B41A20}" type="pres">
+      <dgm:prSet presAssocID="{2ED34176-7E3B-4882-9D74-C83CE52FC288}" presName="linearFlow" presStyleCnt="0">
+        <dgm:presLayoutVars>
+          <dgm:dir/>
+          <dgm:animLvl val="lvl"/>
+          <dgm:resizeHandles val="exact"/>
+        </dgm:presLayoutVars>
+      </dgm:prSet>
+      <dgm:spPr/>
+    </dgm:pt>
+    <dgm:pt modelId="{381ADF74-E4F2-47A1-AF50-B19651569580}" type="pres">
+      <dgm:prSet presAssocID="{F3DD2766-95F3-4B32-AEED-E064EE67AC7F}" presName="composite" presStyleCnt="0"/>
+      <dgm:spPr/>
+    </dgm:pt>
+    <dgm:pt modelId="{D35C0D17-8C47-4817-AB86-BAB03320A73D}" type="pres">
+      <dgm:prSet presAssocID="{F3DD2766-95F3-4B32-AEED-E064EE67AC7F}" presName="parTx" presStyleLbl="node1" presStyleIdx="0" presStyleCnt="3">
+        <dgm:presLayoutVars>
+          <dgm:chMax val="0"/>
+          <dgm:chPref val="0"/>
+          <dgm:bulletEnabled val="1"/>
+        </dgm:presLayoutVars>
+      </dgm:prSet>
+      <dgm:spPr/>
+    </dgm:pt>
+    <dgm:pt modelId="{E523BAFB-BEB2-4AD8-A308-4B532E6E5F9A}" type="pres">
+      <dgm:prSet presAssocID="{F3DD2766-95F3-4B32-AEED-E064EE67AC7F}" presName="parSh" presStyleLbl="node1" presStyleIdx="0" presStyleCnt="3"/>
+      <dgm:spPr/>
+    </dgm:pt>
+    <dgm:pt modelId="{E7AE32A6-BBD0-49AA-A090-F0A15C80B1DE}" type="pres">
+      <dgm:prSet presAssocID="{F3DD2766-95F3-4B32-AEED-E064EE67AC7F}" presName="desTx" presStyleLbl="fgAcc1" presStyleIdx="0" presStyleCnt="3">
+        <dgm:presLayoutVars>
+          <dgm:bulletEnabled val="1"/>
+        </dgm:presLayoutVars>
+      </dgm:prSet>
+      <dgm:spPr/>
+    </dgm:pt>
+    <dgm:pt modelId="{AB01F58E-CA4A-46F6-80C8-E44FA043459A}" type="pres">
+      <dgm:prSet presAssocID="{F5DBF5DE-3850-4178-B64E-DDBC064A64BE}" presName="sibTrans" presStyleLbl="sibTrans2D1" presStyleIdx="0" presStyleCnt="2"/>
+      <dgm:spPr/>
+    </dgm:pt>
+    <dgm:pt modelId="{70768ABF-CBD4-4916-87AA-09F402827995}" type="pres">
+      <dgm:prSet presAssocID="{F5DBF5DE-3850-4178-B64E-DDBC064A64BE}" presName="connTx" presStyleLbl="sibTrans2D1" presStyleIdx="0" presStyleCnt="2"/>
+      <dgm:spPr/>
+    </dgm:pt>
+    <dgm:pt modelId="{180667B0-4159-4233-9DFE-310B81F418FB}" type="pres">
+      <dgm:prSet presAssocID="{6063B4E4-A9A6-4036-8849-92CAEC588C0E}" presName="composite" presStyleCnt="0"/>
+      <dgm:spPr/>
+    </dgm:pt>
+    <dgm:pt modelId="{03FB4550-A427-4515-A9BA-AB2F31AE1FD2}" type="pres">
+      <dgm:prSet presAssocID="{6063B4E4-A9A6-4036-8849-92CAEC588C0E}" presName="parTx" presStyleLbl="node1" presStyleIdx="0" presStyleCnt="3">
+        <dgm:presLayoutVars>
+          <dgm:chMax val="0"/>
+          <dgm:chPref val="0"/>
+          <dgm:bulletEnabled val="1"/>
+        </dgm:presLayoutVars>
+      </dgm:prSet>
+      <dgm:spPr/>
+    </dgm:pt>
+    <dgm:pt modelId="{9E135FD6-975F-478D-A342-31E45A3E4AC0}" type="pres">
+      <dgm:prSet presAssocID="{6063B4E4-A9A6-4036-8849-92CAEC588C0E}" presName="parSh" presStyleLbl="node1" presStyleIdx="1" presStyleCnt="3"/>
+      <dgm:spPr/>
+    </dgm:pt>
+    <dgm:pt modelId="{932836BD-A586-418C-B824-E69E1CF393A9}" type="pres">
+      <dgm:prSet presAssocID="{6063B4E4-A9A6-4036-8849-92CAEC588C0E}" presName="desTx" presStyleLbl="fgAcc1" presStyleIdx="1" presStyleCnt="3">
+        <dgm:presLayoutVars>
+          <dgm:bulletEnabled val="1"/>
+        </dgm:presLayoutVars>
+      </dgm:prSet>
+      <dgm:spPr/>
+    </dgm:pt>
+    <dgm:pt modelId="{B7BAFDDE-9541-484A-B676-96135AE3C396}" type="pres">
+      <dgm:prSet presAssocID="{BB67BFEA-FC23-43B1-A7D5-73279B49414F}" presName="sibTrans" presStyleLbl="sibTrans2D1" presStyleIdx="1" presStyleCnt="2"/>
+      <dgm:spPr/>
+    </dgm:pt>
+    <dgm:pt modelId="{EF9F0677-C61A-40E5-9674-55767CD94388}" type="pres">
+      <dgm:prSet presAssocID="{BB67BFEA-FC23-43B1-A7D5-73279B49414F}" presName="connTx" presStyleLbl="sibTrans2D1" presStyleIdx="1" presStyleCnt="2"/>
+      <dgm:spPr/>
+    </dgm:pt>
+    <dgm:pt modelId="{FA6B9AAA-9319-49FB-B56B-29191CBA6853}" type="pres">
+      <dgm:prSet presAssocID="{6D0706EB-65A6-42DD-B05E-2F5A3F02BCA8}" presName="composite" presStyleCnt="0"/>
+      <dgm:spPr/>
+    </dgm:pt>
+    <dgm:pt modelId="{3DC5BC8F-170A-432C-88D2-6EB544E9F5DA}" type="pres">
+      <dgm:prSet presAssocID="{6D0706EB-65A6-42DD-B05E-2F5A3F02BCA8}" presName="parTx" presStyleLbl="node1" presStyleIdx="1" presStyleCnt="3">
+        <dgm:presLayoutVars>
+          <dgm:chMax val="0"/>
+          <dgm:chPref val="0"/>
+          <dgm:bulletEnabled val="1"/>
+        </dgm:presLayoutVars>
+      </dgm:prSet>
+      <dgm:spPr/>
+    </dgm:pt>
+    <dgm:pt modelId="{B66BB18E-3492-4379-BDE2-5B2512A63C85}" type="pres">
+      <dgm:prSet presAssocID="{6D0706EB-65A6-42DD-B05E-2F5A3F02BCA8}" presName="parSh" presStyleLbl="node1" presStyleIdx="2" presStyleCnt="3"/>
+      <dgm:spPr/>
+    </dgm:pt>
+    <dgm:pt modelId="{CDA0B68D-8DE9-46BE-A80B-64CC243D2D05}" type="pres">
+      <dgm:prSet presAssocID="{6D0706EB-65A6-42DD-B05E-2F5A3F02BCA8}" presName="desTx" presStyleLbl="fgAcc1" presStyleIdx="2" presStyleCnt="3">
+        <dgm:presLayoutVars>
+          <dgm:bulletEnabled val="1"/>
+        </dgm:presLayoutVars>
+      </dgm:prSet>
+      <dgm:spPr/>
+    </dgm:pt>
+  </dgm:ptLst>
+  <dgm:cxnLst>
+    <dgm:cxn modelId="{05FC3CE3-3E60-430D-9350-661080C8EE11}" type="presOf" srcId="{F5DBF5DE-3850-4178-B64E-DDBC064A64BE}" destId="{AB01F58E-CA4A-46F6-80C8-E44FA043459A}" srcOrd="0" destOrd="0" presId="urn:microsoft.com/office/officeart/2005/8/layout/process3"/>
+    <dgm:cxn modelId="{26EBB84C-192F-4A0D-A9C3-EC770BEEA4CE}" srcId="{6D0706EB-65A6-42DD-B05E-2F5A3F02BCA8}" destId="{A63866AE-2D02-44AC-8013-EB09212BA7D0}" srcOrd="0" destOrd="0" parTransId="{500FF69C-429A-49C5-8E8A-E502B355FE26}" sibTransId="{481987D7-05BB-448D-A467-890F01DDB0E3}"/>
+    <dgm:cxn modelId="{31257E98-9638-4242-BC2D-A28A6DF3A715}" srcId="{2ED34176-7E3B-4882-9D74-C83CE52FC288}" destId="{F3DD2766-95F3-4B32-AEED-E064EE67AC7F}" srcOrd="0" destOrd="0" parTransId="{311B8351-40CD-4650-B943-2B5AAB0B0779}" sibTransId="{F5DBF5DE-3850-4178-B64E-DDBC064A64BE}"/>
+    <dgm:cxn modelId="{BE9184AE-903A-4691-9088-9B767D76DFC6}" srcId="{6063B4E4-A9A6-4036-8849-92CAEC588C0E}" destId="{051FB8C8-1E23-45C7-BA20-B5D9EE31AE1D}" srcOrd="0" destOrd="0" parTransId="{27B5B824-9395-463E-84B3-B10C11644769}" sibTransId="{269A58BB-10CD-4C40-B962-03A9BFCE8A27}"/>
+    <dgm:cxn modelId="{39A0B4B4-0084-443B-A929-F6FDC645809F}" type="presOf" srcId="{A63866AE-2D02-44AC-8013-EB09212BA7D0}" destId="{CDA0B68D-8DE9-46BE-A80B-64CC243D2D05}" srcOrd="0" destOrd="0" presId="urn:microsoft.com/office/officeart/2005/8/layout/process3"/>
+    <dgm:cxn modelId="{7BC73452-A4B5-446B-A3E9-D3A2FE7CF711}" type="presOf" srcId="{F5DBF5DE-3850-4178-B64E-DDBC064A64BE}" destId="{70768ABF-CBD4-4916-87AA-09F402827995}" srcOrd="1" destOrd="0" presId="urn:microsoft.com/office/officeart/2005/8/layout/process3"/>
+    <dgm:cxn modelId="{CDB8507D-5C34-4EBC-9DA9-080B900AA9B3}" type="presOf" srcId="{6D0706EB-65A6-42DD-B05E-2F5A3F02BCA8}" destId="{B66BB18E-3492-4379-BDE2-5B2512A63C85}" srcOrd="1" destOrd="0" presId="urn:microsoft.com/office/officeart/2005/8/layout/process3"/>
+    <dgm:cxn modelId="{FED12D30-8C6F-42F2-986E-A45CE40AB64D}" srcId="{6D0706EB-65A6-42DD-B05E-2F5A3F02BCA8}" destId="{2EC2F96E-212C-4FAE-9168-F17D257EFF35}" srcOrd="1" destOrd="0" parTransId="{4AE7E2F1-1205-43B8-91D6-8345A5D09764}" sibTransId="{1033A10B-FC43-4C60-9FBC-B67BA118F736}"/>
+    <dgm:cxn modelId="{4FC3BA69-A274-4531-986D-0CD8929571CA}" type="presOf" srcId="{F91A08B1-6E15-41A7-9E13-122D709D206A}" destId="{E7AE32A6-BBD0-49AA-A090-F0A15C80B1DE}" srcOrd="0" destOrd="1" presId="urn:microsoft.com/office/officeart/2005/8/layout/process3"/>
+    <dgm:cxn modelId="{3CCB3C65-166F-40BA-8138-962E33C3C58F}" type="presOf" srcId="{F3DD2766-95F3-4B32-AEED-E064EE67AC7F}" destId="{E523BAFB-BEB2-4AD8-A308-4B532E6E5F9A}" srcOrd="1" destOrd="0" presId="urn:microsoft.com/office/officeart/2005/8/layout/process3"/>
+    <dgm:cxn modelId="{BBBAE843-BD70-4DE4-BC1F-9A376698F1B3}" srcId="{F3DD2766-95F3-4B32-AEED-E064EE67AC7F}" destId="{F91A08B1-6E15-41A7-9E13-122D709D206A}" srcOrd="1" destOrd="0" parTransId="{EA8F8B53-462F-469E-A791-AAD56E443611}" sibTransId="{4B648BC8-79C7-44F4-92B9-43BD5AA5F4D0}"/>
+    <dgm:cxn modelId="{2A2B8613-539D-45EB-8809-BEC19836A0AB}" type="presOf" srcId="{6D0706EB-65A6-42DD-B05E-2F5A3F02BCA8}" destId="{3DC5BC8F-170A-432C-88D2-6EB544E9F5DA}" srcOrd="0" destOrd="0" presId="urn:microsoft.com/office/officeart/2005/8/layout/process3"/>
+    <dgm:cxn modelId="{127F7338-1076-45C1-9350-F5954D9DCBD1}" type="presOf" srcId="{6063B4E4-A9A6-4036-8849-92CAEC588C0E}" destId="{03FB4550-A427-4515-A9BA-AB2F31AE1FD2}" srcOrd="0" destOrd="0" presId="urn:microsoft.com/office/officeart/2005/8/layout/process3"/>
+    <dgm:cxn modelId="{6E55389C-E94F-4F85-A9BD-7ECAEE845A0A}" type="presOf" srcId="{BB67BFEA-FC23-43B1-A7D5-73279B49414F}" destId="{B7BAFDDE-9541-484A-B676-96135AE3C396}" srcOrd="0" destOrd="0" presId="urn:microsoft.com/office/officeart/2005/8/layout/process3"/>
+    <dgm:cxn modelId="{DBCEC1AE-7506-4354-AD6A-1498BDCC302C}" srcId="{F3DD2766-95F3-4B32-AEED-E064EE67AC7F}" destId="{3BE366E0-AC65-4C98-994D-59806EADE171}" srcOrd="0" destOrd="0" parTransId="{C432B3EE-3D90-4DA8-AA65-EDF7ABA62261}" sibTransId="{EFEE150A-540E-4D56-AA4B-76D1BEC20495}"/>
+    <dgm:cxn modelId="{A827D27D-84D6-4C22-82E3-43DDE27FD162}" type="presOf" srcId="{3BE366E0-AC65-4C98-994D-59806EADE171}" destId="{E7AE32A6-BBD0-49AA-A090-F0A15C80B1DE}" srcOrd="0" destOrd="0" presId="urn:microsoft.com/office/officeart/2005/8/layout/process3"/>
+    <dgm:cxn modelId="{B36E68BF-E9BC-4FC6-A720-A7050B74ED05}" type="presOf" srcId="{6063B4E4-A9A6-4036-8849-92CAEC588C0E}" destId="{9E135FD6-975F-478D-A342-31E45A3E4AC0}" srcOrd="1" destOrd="0" presId="urn:microsoft.com/office/officeart/2005/8/layout/process3"/>
+    <dgm:cxn modelId="{325C7199-8132-4FE0-BFF8-AE1869EB0F41}" type="presOf" srcId="{2EC2F96E-212C-4FAE-9168-F17D257EFF35}" destId="{CDA0B68D-8DE9-46BE-A80B-64CC243D2D05}" srcOrd="0" destOrd="1" presId="urn:microsoft.com/office/officeart/2005/8/layout/process3"/>
+    <dgm:cxn modelId="{8A79CFA2-AF00-4E4E-96F0-083F7112171E}" type="presOf" srcId="{2ED34176-7E3B-4882-9D74-C83CE52FC288}" destId="{257B2513-53FB-43CB-B049-EEC683B41A20}" srcOrd="0" destOrd="0" presId="urn:microsoft.com/office/officeart/2005/8/layout/process3"/>
+    <dgm:cxn modelId="{E961B543-4C93-45A6-AD80-BC2201A25ED7}" srcId="{2ED34176-7E3B-4882-9D74-C83CE52FC288}" destId="{6D0706EB-65A6-42DD-B05E-2F5A3F02BCA8}" srcOrd="2" destOrd="0" parTransId="{877DA269-5410-4BD3-84CE-1E53E4EB4985}" sibTransId="{462CAF7C-5A7E-4A84-B702-B7EB0103A5A1}"/>
+    <dgm:cxn modelId="{601C201B-51D9-456F-89C9-86D74C1433F7}" srcId="{6063B4E4-A9A6-4036-8849-92CAEC588C0E}" destId="{0794BBF0-5DC4-4A30-A815-64099FF38783}" srcOrd="1" destOrd="0" parTransId="{BC5BC420-9F75-497F-8F2C-6F20592E9B98}" sibTransId="{2F9FD247-7594-495F-B279-C86BE9BB5FD7}"/>
+    <dgm:cxn modelId="{A1E7B67A-37C1-4770-A361-93D267BEC464}" srcId="{2ED34176-7E3B-4882-9D74-C83CE52FC288}" destId="{6063B4E4-A9A6-4036-8849-92CAEC588C0E}" srcOrd="1" destOrd="0" parTransId="{0724EB4B-E399-4E31-9CB7-0427E67BFA11}" sibTransId="{BB67BFEA-FC23-43B1-A7D5-73279B49414F}"/>
+    <dgm:cxn modelId="{87442514-FC00-4417-84C8-B9338FCE3834}" type="presOf" srcId="{F3DD2766-95F3-4B32-AEED-E064EE67AC7F}" destId="{D35C0D17-8C47-4817-AB86-BAB03320A73D}" srcOrd="0" destOrd="0" presId="urn:microsoft.com/office/officeart/2005/8/layout/process3"/>
+    <dgm:cxn modelId="{1854DEFF-850C-46C6-A5FC-C5095EA3638E}" type="presOf" srcId="{BB67BFEA-FC23-43B1-A7D5-73279B49414F}" destId="{EF9F0677-C61A-40E5-9674-55767CD94388}" srcOrd="1" destOrd="0" presId="urn:microsoft.com/office/officeart/2005/8/layout/process3"/>
+    <dgm:cxn modelId="{39B5FC13-3845-4526-A457-782BF1FFF5DE}" type="presOf" srcId="{051FB8C8-1E23-45C7-BA20-B5D9EE31AE1D}" destId="{932836BD-A586-418C-B824-E69E1CF393A9}" srcOrd="0" destOrd="0" presId="urn:microsoft.com/office/officeart/2005/8/layout/process3"/>
+    <dgm:cxn modelId="{F4681471-6A11-40E9-B4DF-2312B4871235}" type="presOf" srcId="{0794BBF0-5DC4-4A30-A815-64099FF38783}" destId="{932836BD-A586-418C-B824-E69E1CF393A9}" srcOrd="0" destOrd="1" presId="urn:microsoft.com/office/officeart/2005/8/layout/process3"/>
+    <dgm:cxn modelId="{39F51C5B-C43C-44BC-B49E-CACD90900C07}" type="presParOf" srcId="{257B2513-53FB-43CB-B049-EEC683B41A20}" destId="{381ADF74-E4F2-47A1-AF50-B19651569580}" srcOrd="0" destOrd="0" presId="urn:microsoft.com/office/officeart/2005/8/layout/process3"/>
+    <dgm:cxn modelId="{23FB19C1-6C45-4E86-8F44-BE0BF6809DB9}" type="presParOf" srcId="{381ADF74-E4F2-47A1-AF50-B19651569580}" destId="{D35C0D17-8C47-4817-AB86-BAB03320A73D}" srcOrd="0" destOrd="0" presId="urn:microsoft.com/office/officeart/2005/8/layout/process3"/>
+    <dgm:cxn modelId="{82E07A43-8A54-4D3A-B0EA-42E0A9B7F3F5}" type="presParOf" srcId="{381ADF74-E4F2-47A1-AF50-B19651569580}" destId="{E523BAFB-BEB2-4AD8-A308-4B532E6E5F9A}" srcOrd="1" destOrd="0" presId="urn:microsoft.com/office/officeart/2005/8/layout/process3"/>
+    <dgm:cxn modelId="{1778ED19-A781-4BB3-B3B7-E96718D072B8}" type="presParOf" srcId="{381ADF74-E4F2-47A1-AF50-B19651569580}" destId="{E7AE32A6-BBD0-49AA-A090-F0A15C80B1DE}" srcOrd="2" destOrd="0" presId="urn:microsoft.com/office/officeart/2005/8/layout/process3"/>
+    <dgm:cxn modelId="{B5E6EE40-7AA8-4B18-A791-8AC1043A2130}" type="presParOf" srcId="{257B2513-53FB-43CB-B049-EEC683B41A20}" destId="{AB01F58E-CA4A-46F6-80C8-E44FA043459A}" srcOrd="1" destOrd="0" presId="urn:microsoft.com/office/officeart/2005/8/layout/process3"/>
+    <dgm:cxn modelId="{7C3BA495-2EC8-40DF-B67D-E3823B753DAC}" type="presParOf" srcId="{AB01F58E-CA4A-46F6-80C8-E44FA043459A}" destId="{70768ABF-CBD4-4916-87AA-09F402827995}" srcOrd="0" destOrd="0" presId="urn:microsoft.com/office/officeart/2005/8/layout/process3"/>
+    <dgm:cxn modelId="{4872585F-8F1B-4E96-9AA2-E7CB5406CCCF}" type="presParOf" srcId="{257B2513-53FB-43CB-B049-EEC683B41A20}" destId="{180667B0-4159-4233-9DFE-310B81F418FB}" srcOrd="2" destOrd="0" presId="urn:microsoft.com/office/officeart/2005/8/layout/process3"/>
+    <dgm:cxn modelId="{AF79F589-E83C-47F0-A074-88A630EDBC42}" type="presParOf" srcId="{180667B0-4159-4233-9DFE-310B81F418FB}" destId="{03FB4550-A427-4515-A9BA-AB2F31AE1FD2}" srcOrd="0" destOrd="0" presId="urn:microsoft.com/office/officeart/2005/8/layout/process3"/>
+    <dgm:cxn modelId="{3C20F090-DA8F-459D-BC1B-05AF2BC0C438}" type="presParOf" srcId="{180667B0-4159-4233-9DFE-310B81F418FB}" destId="{9E135FD6-975F-478D-A342-31E45A3E4AC0}" srcOrd="1" destOrd="0" presId="urn:microsoft.com/office/officeart/2005/8/layout/process3"/>
+    <dgm:cxn modelId="{2E5E545C-C999-4136-9D6B-1C210F56F33C}" type="presParOf" srcId="{180667B0-4159-4233-9DFE-310B81F418FB}" destId="{932836BD-A586-418C-B824-E69E1CF393A9}" srcOrd="2" destOrd="0" presId="urn:microsoft.com/office/officeart/2005/8/layout/process3"/>
+    <dgm:cxn modelId="{DD4DA7BE-1CEF-4B1A-B170-023BC674318F}" type="presParOf" srcId="{257B2513-53FB-43CB-B049-EEC683B41A20}" destId="{B7BAFDDE-9541-484A-B676-96135AE3C396}" srcOrd="3" destOrd="0" presId="urn:microsoft.com/office/officeart/2005/8/layout/process3"/>
+    <dgm:cxn modelId="{D0EB6964-40B1-4F55-9EDF-87615F4E4FD1}" type="presParOf" srcId="{B7BAFDDE-9541-484A-B676-96135AE3C396}" destId="{EF9F0677-C61A-40E5-9674-55767CD94388}" srcOrd="0" destOrd="0" presId="urn:microsoft.com/office/officeart/2005/8/layout/process3"/>
+    <dgm:cxn modelId="{5E396541-7AEE-4CB5-A7CD-9F8EFA2D0CF4}" type="presParOf" srcId="{257B2513-53FB-43CB-B049-EEC683B41A20}" destId="{FA6B9AAA-9319-49FB-B56B-29191CBA6853}" srcOrd="4" destOrd="0" presId="urn:microsoft.com/office/officeart/2005/8/layout/process3"/>
+    <dgm:cxn modelId="{1D771D19-F7AD-4219-AEF0-4933375E1D85}" type="presParOf" srcId="{FA6B9AAA-9319-49FB-B56B-29191CBA6853}" destId="{3DC5BC8F-170A-432C-88D2-6EB544E9F5DA}" srcOrd="0" destOrd="0" presId="urn:microsoft.com/office/officeart/2005/8/layout/process3"/>
+    <dgm:cxn modelId="{2497FC11-D32D-4DE7-9D60-CBE8C814ED2F}" type="presParOf" srcId="{FA6B9AAA-9319-49FB-B56B-29191CBA6853}" destId="{B66BB18E-3492-4379-BDE2-5B2512A63C85}" srcOrd="1" destOrd="0" presId="urn:microsoft.com/office/officeart/2005/8/layout/process3"/>
+    <dgm:cxn modelId="{C916492B-37AF-4869-A8CF-02A23D62BD7C}" type="presParOf" srcId="{FA6B9AAA-9319-49FB-B56B-29191CBA6853}" destId="{CDA0B68D-8DE9-46BE-A80B-64CC243D2D05}" srcOrd="2" destOrd="0" presId="urn:microsoft.com/office/officeart/2005/8/layout/process3"/>
   </dgm:cxnLst>
   <dgm:bg/>
   <dgm:whole/>
@@ -1968,6 +3243,712 @@
 </dsp:drawing>
 </file>
 
+<file path=ppt/diagrams/drawing2.xml><?xml version="1.0" encoding="utf-8"?>
+<dsp:drawing xmlns:dgm="http://schemas.openxmlformats.org/drawingml/2006/diagram" xmlns:dsp="http://schemas.microsoft.com/office/drawing/2008/diagram" xmlns:a="http://schemas.openxmlformats.org/drawingml/2006/main">
+  <dsp:spTree>
+    <dsp:nvGrpSpPr>
+      <dsp:cNvPr id="0" name=""/>
+      <dsp:cNvGrpSpPr/>
+    </dsp:nvGrpSpPr>
+    <dsp:grpSpPr/>
+    <dsp:sp modelId="{E523BAFB-BEB2-4AD8-A308-4B532E6E5F9A}">
+      <dsp:nvSpPr>
+        <dsp:cNvPr id="0" name=""/>
+        <dsp:cNvSpPr/>
+      </dsp:nvSpPr>
+      <dsp:spPr>
+        <a:xfrm>
+          <a:off x="5002" y="624462"/>
+          <a:ext cx="2274632" cy="993600"/>
+        </a:xfrm>
+        <a:prstGeom prst="roundRect">
+          <a:avLst>
+            <a:gd name="adj" fmla="val 10000"/>
+          </a:avLst>
+        </a:prstGeom>
+        <a:solidFill>
+          <a:schemeClr val="accent1">
+            <a:hueOff val="0"/>
+            <a:satOff val="0"/>
+            <a:lumOff val="0"/>
+            <a:alphaOff val="0"/>
+          </a:schemeClr>
+        </a:solidFill>
+        <a:ln w="15875" cap="flat" cmpd="sng" algn="ctr">
+          <a:solidFill>
+            <a:schemeClr val="lt1">
+              <a:hueOff val="0"/>
+              <a:satOff val="0"/>
+              <a:lumOff val="0"/>
+              <a:alphaOff val="0"/>
+            </a:schemeClr>
+          </a:solidFill>
+          <a:prstDash val="solid"/>
+        </a:ln>
+        <a:effectLst/>
+      </dsp:spPr>
+      <dsp:style>
+        <a:lnRef idx="2">
+          <a:scrgbClr r="0" g="0" b="0"/>
+        </a:lnRef>
+        <a:fillRef idx="1">
+          <a:scrgbClr r="0" g="0" b="0"/>
+        </a:fillRef>
+        <a:effectRef idx="0">
+          <a:scrgbClr r="0" g="0" b="0"/>
+        </a:effectRef>
+        <a:fontRef idx="minor">
+          <a:schemeClr val="lt1"/>
+        </a:fontRef>
+      </dsp:style>
+      <dsp:txBody>
+        <a:bodyPr spcFirstLastPara="0" vert="horz" wrap="square" lIns="163576" tIns="163576" rIns="163576" bIns="87630" numCol="1" spcCol="1270" anchor="t" anchorCtr="0">
+          <a:noAutofit/>
+        </a:bodyPr>
+        <a:lstStyle/>
+        <a:p>
+          <a:pPr marL="0" lvl="0" indent="0" algn="l" defTabSz="1022350">
+            <a:lnSpc>
+              <a:spcPct val="90000"/>
+            </a:lnSpc>
+            <a:spcBef>
+              <a:spcPct val="0"/>
+            </a:spcBef>
+            <a:spcAft>
+              <a:spcPct val="35000"/>
+            </a:spcAft>
+            <a:buNone/>
+          </a:pPr>
+          <a:r>
+            <a:rPr lang="fr-FR" sz="2300" kern="1200" dirty="0"/>
+            <a:t>National</a:t>
+          </a:r>
+        </a:p>
+      </dsp:txBody>
+      <dsp:txXfrm>
+        <a:off x="5002" y="624462"/>
+        <a:ext cx="2274632" cy="662400"/>
+      </dsp:txXfrm>
+    </dsp:sp>
+    <dsp:sp modelId="{E7AE32A6-BBD0-49AA-A090-F0A15C80B1DE}">
+      <dsp:nvSpPr>
+        <dsp:cNvPr id="0" name=""/>
+        <dsp:cNvSpPr/>
+      </dsp:nvSpPr>
+      <dsp:spPr>
+        <a:xfrm>
+          <a:off x="470891" y="1286862"/>
+          <a:ext cx="2274632" cy="2111400"/>
+        </a:xfrm>
+        <a:prstGeom prst="roundRect">
+          <a:avLst>
+            <a:gd name="adj" fmla="val 10000"/>
+          </a:avLst>
+        </a:prstGeom>
+        <a:solidFill>
+          <a:schemeClr val="lt1">
+            <a:alpha val="90000"/>
+            <a:hueOff val="0"/>
+            <a:satOff val="0"/>
+            <a:lumOff val="0"/>
+            <a:alphaOff val="0"/>
+          </a:schemeClr>
+        </a:solidFill>
+        <a:ln w="15875" cap="flat" cmpd="sng" algn="ctr">
+          <a:solidFill>
+            <a:schemeClr val="accent1">
+              <a:hueOff val="0"/>
+              <a:satOff val="0"/>
+              <a:lumOff val="0"/>
+              <a:alphaOff val="0"/>
+            </a:schemeClr>
+          </a:solidFill>
+          <a:prstDash val="solid"/>
+        </a:ln>
+        <a:effectLst/>
+      </dsp:spPr>
+      <dsp:style>
+        <a:lnRef idx="2">
+          <a:scrgbClr r="0" g="0" b="0"/>
+        </a:lnRef>
+        <a:fillRef idx="1">
+          <a:scrgbClr r="0" g="0" b="0"/>
+        </a:fillRef>
+        <a:effectRef idx="0">
+          <a:scrgbClr r="0" g="0" b="0"/>
+        </a:effectRef>
+        <a:fontRef idx="minor"/>
+      </dsp:style>
+      <dsp:txBody>
+        <a:bodyPr spcFirstLastPara="0" vert="horz" wrap="square" lIns="163576" tIns="163576" rIns="163576" bIns="163576" numCol="1" spcCol="1270" anchor="t" anchorCtr="0">
+          <a:noAutofit/>
+        </a:bodyPr>
+        <a:lstStyle/>
+        <a:p>
+          <a:pPr marL="228600" lvl="1" indent="-228600" algn="l" defTabSz="1022350">
+            <a:lnSpc>
+              <a:spcPct val="90000"/>
+            </a:lnSpc>
+            <a:spcBef>
+              <a:spcPct val="0"/>
+            </a:spcBef>
+            <a:spcAft>
+              <a:spcPct val="15000"/>
+            </a:spcAft>
+            <a:buChar char="•"/>
+          </a:pPr>
+          <a:r>
+            <a:rPr lang="fr-FR" sz="2300" kern="1200" dirty="0"/>
+            <a:t>Question </a:t>
+          </a:r>
+          <a:r>
+            <a:rPr lang="fr-FR" sz="2300" kern="1200" dirty="0" err="1"/>
+            <a:t>difficulty</a:t>
+          </a:r>
+          <a:r>
+            <a:rPr lang="fr-FR" sz="2300" kern="1200" dirty="0"/>
+            <a:t> </a:t>
+          </a:r>
+          <a:r>
+            <a:rPr lang="fr-FR" sz="2300" kern="1200" dirty="0" err="1"/>
+            <a:t>clustering</a:t>
+          </a:r>
+          <a:endParaRPr lang="fr-FR" sz="2300" kern="1200" dirty="0"/>
+        </a:p>
+        <a:p>
+          <a:pPr marL="228600" lvl="1" indent="-228600" algn="l" defTabSz="1022350">
+            <a:lnSpc>
+              <a:spcPct val="90000"/>
+            </a:lnSpc>
+            <a:spcBef>
+              <a:spcPct val="0"/>
+            </a:spcBef>
+            <a:spcAft>
+              <a:spcPct val="15000"/>
+            </a:spcAft>
+            <a:buChar char="•"/>
+          </a:pPr>
+          <a:r>
+            <a:rPr lang="fr-FR" sz="2300" kern="1200" dirty="0" err="1"/>
+            <a:t>Results</a:t>
+          </a:r>
+          <a:r>
+            <a:rPr lang="fr-FR" sz="2300" kern="1200" dirty="0"/>
+            <a:t> visualisation</a:t>
+          </a:r>
+        </a:p>
+      </dsp:txBody>
+      <dsp:txXfrm>
+        <a:off x="532732" y="1348703"/>
+        <a:ext cx="2150950" cy="1987718"/>
+      </dsp:txXfrm>
+    </dsp:sp>
+    <dsp:sp modelId="{AB01F58E-CA4A-46F6-80C8-E44FA043459A}">
+      <dsp:nvSpPr>
+        <dsp:cNvPr id="0" name=""/>
+        <dsp:cNvSpPr/>
+      </dsp:nvSpPr>
+      <dsp:spPr>
+        <a:xfrm>
+          <a:off x="2624461" y="672503"/>
+          <a:ext cx="731031" cy="566317"/>
+        </a:xfrm>
+        <a:prstGeom prst="rightArrow">
+          <a:avLst>
+            <a:gd name="adj1" fmla="val 60000"/>
+            <a:gd name="adj2" fmla="val 50000"/>
+          </a:avLst>
+        </a:prstGeom>
+        <a:solidFill>
+          <a:schemeClr val="accent1">
+            <a:tint val="60000"/>
+            <a:hueOff val="0"/>
+            <a:satOff val="0"/>
+            <a:lumOff val="0"/>
+            <a:alphaOff val="0"/>
+          </a:schemeClr>
+        </a:solidFill>
+        <a:ln>
+          <a:noFill/>
+        </a:ln>
+        <a:effectLst/>
+      </dsp:spPr>
+      <dsp:style>
+        <a:lnRef idx="0">
+          <a:scrgbClr r="0" g="0" b="0"/>
+        </a:lnRef>
+        <a:fillRef idx="1">
+          <a:scrgbClr r="0" g="0" b="0"/>
+        </a:fillRef>
+        <a:effectRef idx="0">
+          <a:scrgbClr r="0" g="0" b="0"/>
+        </a:effectRef>
+        <a:fontRef idx="minor">
+          <a:schemeClr val="lt1"/>
+        </a:fontRef>
+      </dsp:style>
+      <dsp:txBody>
+        <a:bodyPr spcFirstLastPara="0" vert="horz" wrap="square" lIns="0" tIns="0" rIns="0" bIns="0" numCol="1" spcCol="1270" anchor="ctr" anchorCtr="0">
+          <a:noAutofit/>
+        </a:bodyPr>
+        <a:lstStyle/>
+        <a:p>
+          <a:pPr marL="0" lvl="0" indent="0" algn="ctr" defTabSz="800100">
+            <a:lnSpc>
+              <a:spcPct val="90000"/>
+            </a:lnSpc>
+            <a:spcBef>
+              <a:spcPct val="0"/>
+            </a:spcBef>
+            <a:spcAft>
+              <a:spcPct val="35000"/>
+            </a:spcAft>
+            <a:buNone/>
+          </a:pPr>
+          <a:endParaRPr lang="fr-FR" sz="1800" kern="1200"/>
+        </a:p>
+      </dsp:txBody>
+      <dsp:txXfrm>
+        <a:off x="2624461" y="785766"/>
+        <a:ext cx="561136" cy="339791"/>
+      </dsp:txXfrm>
+    </dsp:sp>
+    <dsp:sp modelId="{9E135FD6-975F-478D-A342-31E45A3E4AC0}">
+      <dsp:nvSpPr>
+        <dsp:cNvPr id="0" name=""/>
+        <dsp:cNvSpPr/>
+      </dsp:nvSpPr>
+      <dsp:spPr>
+        <a:xfrm>
+          <a:off x="3658939" y="624462"/>
+          <a:ext cx="2274632" cy="993600"/>
+        </a:xfrm>
+        <a:prstGeom prst="roundRect">
+          <a:avLst>
+            <a:gd name="adj" fmla="val 10000"/>
+          </a:avLst>
+        </a:prstGeom>
+        <a:solidFill>
+          <a:schemeClr val="accent1">
+            <a:hueOff val="0"/>
+            <a:satOff val="0"/>
+            <a:lumOff val="0"/>
+            <a:alphaOff val="0"/>
+          </a:schemeClr>
+        </a:solidFill>
+        <a:ln w="15875" cap="flat" cmpd="sng" algn="ctr">
+          <a:solidFill>
+            <a:schemeClr val="lt1">
+              <a:hueOff val="0"/>
+              <a:satOff val="0"/>
+              <a:lumOff val="0"/>
+              <a:alphaOff val="0"/>
+            </a:schemeClr>
+          </a:solidFill>
+          <a:prstDash val="solid"/>
+        </a:ln>
+        <a:effectLst/>
+      </dsp:spPr>
+      <dsp:style>
+        <a:lnRef idx="2">
+          <a:scrgbClr r="0" g="0" b="0"/>
+        </a:lnRef>
+        <a:fillRef idx="1">
+          <a:scrgbClr r="0" g="0" b="0"/>
+        </a:fillRef>
+        <a:effectRef idx="0">
+          <a:scrgbClr r="0" g="0" b="0"/>
+        </a:effectRef>
+        <a:fontRef idx="minor">
+          <a:schemeClr val="lt1"/>
+        </a:fontRef>
+      </dsp:style>
+      <dsp:txBody>
+        <a:bodyPr spcFirstLastPara="0" vert="horz" wrap="square" lIns="163576" tIns="163576" rIns="163576" bIns="87630" numCol="1" spcCol="1270" anchor="t" anchorCtr="0">
+          <a:noAutofit/>
+        </a:bodyPr>
+        <a:lstStyle/>
+        <a:p>
+          <a:pPr marL="0" lvl="0" indent="0" algn="l" defTabSz="1022350">
+            <a:lnSpc>
+              <a:spcPct val="90000"/>
+            </a:lnSpc>
+            <a:spcBef>
+              <a:spcPct val="0"/>
+            </a:spcBef>
+            <a:spcAft>
+              <a:spcPct val="35000"/>
+            </a:spcAft>
+            <a:buNone/>
+          </a:pPr>
+          <a:r>
+            <a:rPr lang="fr-FR" sz="2300" kern="1200" dirty="0"/>
+            <a:t>Coach</a:t>
+          </a:r>
+        </a:p>
+      </dsp:txBody>
+      <dsp:txXfrm>
+        <a:off x="3658939" y="624462"/>
+        <a:ext cx="2274632" cy="662400"/>
+      </dsp:txXfrm>
+    </dsp:sp>
+    <dsp:sp modelId="{932836BD-A586-418C-B824-E69E1CF393A9}">
+      <dsp:nvSpPr>
+        <dsp:cNvPr id="0" name=""/>
+        <dsp:cNvSpPr/>
+      </dsp:nvSpPr>
+      <dsp:spPr>
+        <a:xfrm>
+          <a:off x="4124828" y="1286862"/>
+          <a:ext cx="2274632" cy="2111400"/>
+        </a:xfrm>
+        <a:prstGeom prst="roundRect">
+          <a:avLst>
+            <a:gd name="adj" fmla="val 10000"/>
+          </a:avLst>
+        </a:prstGeom>
+        <a:solidFill>
+          <a:schemeClr val="lt1">
+            <a:alpha val="90000"/>
+            <a:hueOff val="0"/>
+            <a:satOff val="0"/>
+            <a:lumOff val="0"/>
+            <a:alphaOff val="0"/>
+          </a:schemeClr>
+        </a:solidFill>
+        <a:ln w="15875" cap="flat" cmpd="sng" algn="ctr">
+          <a:solidFill>
+            <a:schemeClr val="accent1">
+              <a:hueOff val="0"/>
+              <a:satOff val="0"/>
+              <a:lumOff val="0"/>
+              <a:alphaOff val="0"/>
+            </a:schemeClr>
+          </a:solidFill>
+          <a:prstDash val="solid"/>
+        </a:ln>
+        <a:effectLst/>
+      </dsp:spPr>
+      <dsp:style>
+        <a:lnRef idx="2">
+          <a:scrgbClr r="0" g="0" b="0"/>
+        </a:lnRef>
+        <a:fillRef idx="1">
+          <a:scrgbClr r="0" g="0" b="0"/>
+        </a:fillRef>
+        <a:effectRef idx="0">
+          <a:scrgbClr r="0" g="0" b="0"/>
+        </a:effectRef>
+        <a:fontRef idx="minor"/>
+      </dsp:style>
+      <dsp:txBody>
+        <a:bodyPr spcFirstLastPara="0" vert="horz" wrap="square" lIns="163576" tIns="163576" rIns="163576" bIns="163576" numCol="1" spcCol="1270" anchor="t" anchorCtr="0">
+          <a:noAutofit/>
+        </a:bodyPr>
+        <a:lstStyle/>
+        <a:p>
+          <a:pPr marL="228600" lvl="1" indent="-228600" algn="l" defTabSz="1022350">
+            <a:lnSpc>
+              <a:spcPct val="90000"/>
+            </a:lnSpc>
+            <a:spcBef>
+              <a:spcPct val="0"/>
+            </a:spcBef>
+            <a:spcAft>
+              <a:spcPct val="15000"/>
+            </a:spcAft>
+            <a:buChar char="•"/>
+          </a:pPr>
+          <a:r>
+            <a:rPr lang="fr-FR" sz="2300" kern="1200" dirty="0"/>
+            <a:t>Peer </a:t>
+          </a:r>
+          <a:r>
+            <a:rPr lang="fr-FR" sz="2300" kern="1200" dirty="0" err="1"/>
+            <a:t>learning</a:t>
+          </a:r>
+          <a:endParaRPr lang="fr-FR" sz="2300" kern="1200" dirty="0"/>
+        </a:p>
+        <a:p>
+          <a:pPr marL="228600" lvl="1" indent="-228600" algn="l" defTabSz="1022350">
+            <a:lnSpc>
+              <a:spcPct val="90000"/>
+            </a:lnSpc>
+            <a:spcBef>
+              <a:spcPct val="0"/>
+            </a:spcBef>
+            <a:spcAft>
+              <a:spcPct val="15000"/>
+            </a:spcAft>
+            <a:buChar char="•"/>
+          </a:pPr>
+          <a:r>
+            <a:rPr lang="fr-FR" sz="2300" kern="1200" dirty="0"/>
+            <a:t>Exam </a:t>
+          </a:r>
+          <a:r>
+            <a:rPr lang="fr-FR" sz="2300" kern="1200" dirty="0" err="1"/>
+            <a:t>alert</a:t>
+          </a:r>
+          <a:endParaRPr lang="fr-FR" sz="2300" kern="1200" dirty="0"/>
+        </a:p>
+      </dsp:txBody>
+      <dsp:txXfrm>
+        <a:off x="4186669" y="1348703"/>
+        <a:ext cx="2150950" cy="1987718"/>
+      </dsp:txXfrm>
+    </dsp:sp>
+    <dsp:sp modelId="{B7BAFDDE-9541-484A-B676-96135AE3C396}">
+      <dsp:nvSpPr>
+        <dsp:cNvPr id="0" name=""/>
+        <dsp:cNvSpPr/>
+      </dsp:nvSpPr>
+      <dsp:spPr>
+        <a:xfrm>
+          <a:off x="6278398" y="672503"/>
+          <a:ext cx="731031" cy="566317"/>
+        </a:xfrm>
+        <a:prstGeom prst="rightArrow">
+          <a:avLst>
+            <a:gd name="adj1" fmla="val 60000"/>
+            <a:gd name="adj2" fmla="val 50000"/>
+          </a:avLst>
+        </a:prstGeom>
+        <a:solidFill>
+          <a:schemeClr val="accent1">
+            <a:tint val="60000"/>
+            <a:hueOff val="0"/>
+            <a:satOff val="0"/>
+            <a:lumOff val="0"/>
+            <a:alphaOff val="0"/>
+          </a:schemeClr>
+        </a:solidFill>
+        <a:ln>
+          <a:noFill/>
+        </a:ln>
+        <a:effectLst/>
+      </dsp:spPr>
+      <dsp:style>
+        <a:lnRef idx="0">
+          <a:scrgbClr r="0" g="0" b="0"/>
+        </a:lnRef>
+        <a:fillRef idx="1">
+          <a:scrgbClr r="0" g="0" b="0"/>
+        </a:fillRef>
+        <a:effectRef idx="0">
+          <a:scrgbClr r="0" g="0" b="0"/>
+        </a:effectRef>
+        <a:fontRef idx="minor">
+          <a:schemeClr val="lt1"/>
+        </a:fontRef>
+      </dsp:style>
+      <dsp:txBody>
+        <a:bodyPr spcFirstLastPara="0" vert="horz" wrap="square" lIns="0" tIns="0" rIns="0" bIns="0" numCol="1" spcCol="1270" anchor="ctr" anchorCtr="0">
+          <a:noAutofit/>
+        </a:bodyPr>
+        <a:lstStyle/>
+        <a:p>
+          <a:pPr marL="0" lvl="0" indent="0" algn="ctr" defTabSz="800100">
+            <a:lnSpc>
+              <a:spcPct val="90000"/>
+            </a:lnSpc>
+            <a:spcBef>
+              <a:spcPct val="0"/>
+            </a:spcBef>
+            <a:spcAft>
+              <a:spcPct val="35000"/>
+            </a:spcAft>
+            <a:buNone/>
+          </a:pPr>
+          <a:endParaRPr lang="fr-FR" sz="1800" kern="1200"/>
+        </a:p>
+      </dsp:txBody>
+      <dsp:txXfrm>
+        <a:off x="6278398" y="785766"/>
+        <a:ext cx="561136" cy="339791"/>
+      </dsp:txXfrm>
+    </dsp:sp>
+    <dsp:sp modelId="{B66BB18E-3492-4379-BDE2-5B2512A63C85}">
+      <dsp:nvSpPr>
+        <dsp:cNvPr id="0" name=""/>
+        <dsp:cNvSpPr/>
+      </dsp:nvSpPr>
+      <dsp:spPr>
+        <a:xfrm>
+          <a:off x="7312876" y="624462"/>
+          <a:ext cx="2274632" cy="993600"/>
+        </a:xfrm>
+        <a:prstGeom prst="roundRect">
+          <a:avLst>
+            <a:gd name="adj" fmla="val 10000"/>
+          </a:avLst>
+        </a:prstGeom>
+        <a:solidFill>
+          <a:schemeClr val="accent1">
+            <a:hueOff val="0"/>
+            <a:satOff val="0"/>
+            <a:lumOff val="0"/>
+            <a:alphaOff val="0"/>
+          </a:schemeClr>
+        </a:solidFill>
+        <a:ln w="15875" cap="flat" cmpd="sng" algn="ctr">
+          <a:solidFill>
+            <a:schemeClr val="lt1">
+              <a:hueOff val="0"/>
+              <a:satOff val="0"/>
+              <a:lumOff val="0"/>
+              <a:alphaOff val="0"/>
+            </a:schemeClr>
+          </a:solidFill>
+          <a:prstDash val="solid"/>
+        </a:ln>
+        <a:effectLst/>
+      </dsp:spPr>
+      <dsp:style>
+        <a:lnRef idx="2">
+          <a:scrgbClr r="0" g="0" b="0"/>
+        </a:lnRef>
+        <a:fillRef idx="1">
+          <a:scrgbClr r="0" g="0" b="0"/>
+        </a:fillRef>
+        <a:effectRef idx="0">
+          <a:scrgbClr r="0" g="0" b="0"/>
+        </a:effectRef>
+        <a:fontRef idx="minor">
+          <a:schemeClr val="lt1"/>
+        </a:fontRef>
+      </dsp:style>
+      <dsp:txBody>
+        <a:bodyPr spcFirstLastPara="0" vert="horz" wrap="square" lIns="163576" tIns="163576" rIns="163576" bIns="87630" numCol="1" spcCol="1270" anchor="t" anchorCtr="0">
+          <a:noAutofit/>
+        </a:bodyPr>
+        <a:lstStyle/>
+        <a:p>
+          <a:pPr marL="0" lvl="0" indent="0" algn="l" defTabSz="1022350">
+            <a:lnSpc>
+              <a:spcPct val="90000"/>
+            </a:lnSpc>
+            <a:spcBef>
+              <a:spcPct val="0"/>
+            </a:spcBef>
+            <a:spcAft>
+              <a:spcPct val="35000"/>
+            </a:spcAft>
+            <a:buNone/>
+          </a:pPr>
+          <a:r>
+            <a:rPr lang="fr-FR" sz="2300" kern="1200" dirty="0" err="1"/>
+            <a:t>Pupil</a:t>
+          </a:r>
+          <a:endParaRPr lang="fr-FR" sz="2300" kern="1200" dirty="0"/>
+        </a:p>
+      </dsp:txBody>
+      <dsp:txXfrm>
+        <a:off x="7312876" y="624462"/>
+        <a:ext cx="2274632" cy="662400"/>
+      </dsp:txXfrm>
+    </dsp:sp>
+    <dsp:sp modelId="{CDA0B68D-8DE9-46BE-A80B-64CC243D2D05}">
+      <dsp:nvSpPr>
+        <dsp:cNvPr id="0" name=""/>
+        <dsp:cNvSpPr/>
+      </dsp:nvSpPr>
+      <dsp:spPr>
+        <a:xfrm>
+          <a:off x="7778764" y="1286862"/>
+          <a:ext cx="2274632" cy="2111400"/>
+        </a:xfrm>
+        <a:prstGeom prst="roundRect">
+          <a:avLst>
+            <a:gd name="adj" fmla="val 10000"/>
+          </a:avLst>
+        </a:prstGeom>
+        <a:solidFill>
+          <a:schemeClr val="lt1">
+            <a:alpha val="90000"/>
+            <a:hueOff val="0"/>
+            <a:satOff val="0"/>
+            <a:lumOff val="0"/>
+            <a:alphaOff val="0"/>
+          </a:schemeClr>
+        </a:solidFill>
+        <a:ln w="15875" cap="flat" cmpd="sng" algn="ctr">
+          <a:solidFill>
+            <a:schemeClr val="accent1">
+              <a:hueOff val="0"/>
+              <a:satOff val="0"/>
+              <a:lumOff val="0"/>
+              <a:alphaOff val="0"/>
+            </a:schemeClr>
+          </a:solidFill>
+          <a:prstDash val="solid"/>
+        </a:ln>
+        <a:effectLst/>
+      </dsp:spPr>
+      <dsp:style>
+        <a:lnRef idx="2">
+          <a:scrgbClr r="0" g="0" b="0"/>
+        </a:lnRef>
+        <a:fillRef idx="1">
+          <a:scrgbClr r="0" g="0" b="0"/>
+        </a:fillRef>
+        <a:effectRef idx="0">
+          <a:scrgbClr r="0" g="0" b="0"/>
+        </a:effectRef>
+        <a:fontRef idx="minor"/>
+      </dsp:style>
+      <dsp:txBody>
+        <a:bodyPr spcFirstLastPara="0" vert="horz" wrap="square" lIns="163576" tIns="163576" rIns="163576" bIns="163576" numCol="1" spcCol="1270" anchor="t" anchorCtr="0">
+          <a:noAutofit/>
+        </a:bodyPr>
+        <a:lstStyle/>
+        <a:p>
+          <a:pPr marL="228600" lvl="1" indent="-228600" algn="l" defTabSz="1022350">
+            <a:lnSpc>
+              <a:spcPct val="90000"/>
+            </a:lnSpc>
+            <a:spcBef>
+              <a:spcPct val="0"/>
+            </a:spcBef>
+            <a:spcAft>
+              <a:spcPct val="15000"/>
+            </a:spcAft>
+            <a:buChar char="•"/>
+          </a:pPr>
+          <a:r>
+            <a:rPr lang="fr-FR" sz="2300" kern="1200" dirty="0"/>
+            <a:t>Perso. set of question</a:t>
+          </a:r>
+        </a:p>
+        <a:p>
+          <a:pPr marL="228600" lvl="1" indent="-228600" algn="l" defTabSz="1022350">
+            <a:lnSpc>
+              <a:spcPct val="90000"/>
+            </a:lnSpc>
+            <a:spcBef>
+              <a:spcPct val="0"/>
+            </a:spcBef>
+            <a:spcAft>
+              <a:spcPct val="15000"/>
+            </a:spcAft>
+            <a:buChar char="•"/>
+          </a:pPr>
+          <a:r>
+            <a:rPr lang="fr-FR" sz="2300" kern="1200" dirty="0" err="1"/>
+            <a:t>Gamification</a:t>
+          </a:r>
+          <a:endParaRPr lang="fr-FR" sz="2300" kern="1200" dirty="0"/>
+        </a:p>
+      </dsp:txBody>
+      <dsp:txXfrm>
+        <a:off x="7840605" y="1348703"/>
+        <a:ext cx="2150950" cy="1987718"/>
+      </dsp:txXfrm>
+    </dsp:sp>
+  </dsp:spTree>
+</dsp:drawing>
+</file>
+
 <file path=ppt/diagrams/layout1.xml><?xml version="1.0" encoding="utf-8"?>
 <dgm:layoutDef xmlns:dgm="http://schemas.openxmlformats.org/drawingml/2006/diagram" xmlns:a="http://schemas.openxmlformats.org/drawingml/2006/main" uniqueId="urn:microsoft.com/office/officeart/2005/8/layout/StepDownProcess">
   <dgm:title val=""/>
@@ -2286,7 +4267,1342 @@
 </dgm:layoutDef>
 </file>
 
+<file path=ppt/diagrams/layout2.xml><?xml version="1.0" encoding="utf-8"?>
+<dgm:layoutDef xmlns:dgm="http://schemas.openxmlformats.org/drawingml/2006/diagram" xmlns:a="http://schemas.openxmlformats.org/drawingml/2006/main" uniqueId="urn:microsoft.com/office/officeart/2005/8/layout/process3">
+  <dgm:title val=""/>
+  <dgm:desc val=""/>
+  <dgm:catLst>
+    <dgm:cat type="process" pri="2000"/>
+  </dgm:catLst>
+  <dgm:sampData>
+    <dgm:dataModel>
+      <dgm:ptLst>
+        <dgm:pt modelId="0" type="doc"/>
+        <dgm:pt modelId="1">
+          <dgm:prSet phldr="1"/>
+        </dgm:pt>
+        <dgm:pt modelId="11">
+          <dgm:prSet phldr="1"/>
+        </dgm:pt>
+        <dgm:pt modelId="2">
+          <dgm:prSet phldr="1"/>
+        </dgm:pt>
+        <dgm:pt modelId="21">
+          <dgm:prSet phldr="1"/>
+        </dgm:pt>
+        <dgm:pt modelId="3">
+          <dgm:prSet phldr="1"/>
+        </dgm:pt>
+        <dgm:pt modelId="31">
+          <dgm:prSet phldr="1"/>
+        </dgm:pt>
+      </dgm:ptLst>
+      <dgm:cxnLst>
+        <dgm:cxn modelId="4" srcId="0" destId="1" srcOrd="0" destOrd="0"/>
+        <dgm:cxn modelId="5" srcId="0" destId="2" srcOrd="1" destOrd="0"/>
+        <dgm:cxn modelId="6" srcId="0" destId="3" srcOrd="3" destOrd="0"/>
+        <dgm:cxn modelId="12" srcId="1" destId="11" srcOrd="0" destOrd="0"/>
+        <dgm:cxn modelId="23" srcId="2" destId="21" srcOrd="0" destOrd="0"/>
+        <dgm:cxn modelId="34" srcId="3" destId="31" srcOrd="0" destOrd="0"/>
+      </dgm:cxnLst>
+      <dgm:bg/>
+      <dgm:whole/>
+    </dgm:dataModel>
+  </dgm:sampData>
+  <dgm:styleData>
+    <dgm:dataModel>
+      <dgm:ptLst>
+        <dgm:pt modelId="0" type="doc"/>
+        <dgm:pt modelId="1">
+          <dgm:prSet phldr="1"/>
+        </dgm:pt>
+        <dgm:pt modelId="11">
+          <dgm:prSet phldr="1"/>
+        </dgm:pt>
+        <dgm:pt modelId="2">
+          <dgm:prSet phldr="1"/>
+        </dgm:pt>
+        <dgm:pt modelId="21">
+          <dgm:prSet phldr="1"/>
+        </dgm:pt>
+      </dgm:ptLst>
+      <dgm:cxnLst>
+        <dgm:cxn modelId="4" srcId="0" destId="1" srcOrd="0" destOrd="0"/>
+        <dgm:cxn modelId="5" srcId="0" destId="2" srcOrd="1" destOrd="0"/>
+        <dgm:cxn modelId="13" srcId="1" destId="11" srcOrd="0" destOrd="0"/>
+        <dgm:cxn modelId="23" srcId="2" destId="21" srcOrd="0" destOrd="0"/>
+      </dgm:cxnLst>
+      <dgm:bg/>
+      <dgm:whole/>
+    </dgm:dataModel>
+  </dgm:styleData>
+  <dgm:clrData>
+    <dgm:dataModel>
+      <dgm:ptLst>
+        <dgm:pt modelId="0" type="doc"/>
+        <dgm:pt modelId="1">
+          <dgm:prSet phldr="1"/>
+        </dgm:pt>
+        <dgm:pt modelId="11">
+          <dgm:prSet phldr="1"/>
+        </dgm:pt>
+        <dgm:pt modelId="2">
+          <dgm:prSet phldr="1"/>
+        </dgm:pt>
+        <dgm:pt modelId="21">
+          <dgm:prSet phldr="1"/>
+        </dgm:pt>
+        <dgm:pt modelId="3">
+          <dgm:prSet phldr="1"/>
+        </dgm:pt>
+        <dgm:pt modelId="31">
+          <dgm:prSet phldr="1"/>
+        </dgm:pt>
+        <dgm:pt modelId="4">
+          <dgm:prSet phldr="1"/>
+        </dgm:pt>
+        <dgm:pt modelId="41">
+          <dgm:prSet phldr="1"/>
+        </dgm:pt>
+      </dgm:ptLst>
+      <dgm:cxnLst>
+        <dgm:cxn modelId="5" srcId="0" destId="1" srcOrd="0" destOrd="0"/>
+        <dgm:cxn modelId="6" srcId="0" destId="2" srcOrd="1" destOrd="0"/>
+        <dgm:cxn modelId="7" srcId="0" destId="3" srcOrd="2" destOrd="0"/>
+        <dgm:cxn modelId="8" srcId="0" destId="4" srcOrd="3" destOrd="0"/>
+        <dgm:cxn modelId="13" srcId="1" destId="11" srcOrd="0" destOrd="0"/>
+        <dgm:cxn modelId="23" srcId="2" destId="21" srcOrd="0" destOrd="0"/>
+        <dgm:cxn modelId="33" srcId="3" destId="31" srcOrd="0" destOrd="0"/>
+        <dgm:cxn modelId="43" srcId="4" destId="41" srcOrd="0" destOrd="0"/>
+      </dgm:cxnLst>
+      <dgm:bg/>
+      <dgm:whole/>
+    </dgm:dataModel>
+  </dgm:clrData>
+  <dgm:layoutNode name="linearFlow">
+    <dgm:varLst>
+      <dgm:dir/>
+      <dgm:animLvl val="lvl"/>
+      <dgm:resizeHandles val="exact"/>
+    </dgm:varLst>
+    <dgm:choose name="Name0">
+      <dgm:if name="Name1" func="var" arg="dir" op="equ" val="norm">
+        <dgm:alg type="lin"/>
+      </dgm:if>
+      <dgm:else name="Name2">
+        <dgm:alg type="lin">
+          <dgm:param type="linDir" val="fromR"/>
+        </dgm:alg>
+      </dgm:else>
+    </dgm:choose>
+    <dgm:shape xmlns:r="http://schemas.openxmlformats.org/officeDocument/2006/relationships" r:blip="">
+      <dgm:adjLst/>
+    </dgm:shape>
+    <dgm:presOf/>
+    <dgm:constrLst>
+      <dgm:constr type="w" for="ch" forName="composite" refType="w"/>
+      <dgm:constr type="w" for="ch" ptType="sibTrans" refType="w" refFor="ch" refForName="composite" fact="0.3333"/>
+      <dgm:constr type="w" for="des" forName="parTx"/>
+      <dgm:constr type="h" for="des" forName="parTx" op="equ"/>
+      <dgm:constr type="h" for="des" forName="parSh" op="equ"/>
+      <dgm:constr type="w" for="des" forName="desTx"/>
+      <dgm:constr type="h" for="des" forName="desTx" op="equ"/>
+      <dgm:constr type="w" for="des" forName="parSh"/>
+      <dgm:constr type="primFontSz" for="des" forName="parTx" val="65"/>
+      <dgm:constr type="secFontSz" for="des" forName="desTx" refType="primFontSz" refFor="des" refForName="parTx" op="equ"/>
+      <dgm:constr type="primFontSz" for="des" forName="connTx" refType="primFontSz" refFor="des" refForName="parTx" fact="0.8"/>
+      <dgm:constr type="primFontSz" for="des" forName="connTx" refType="primFontSz" refFor="des" refForName="parTx" op="lte" fact="0.8"/>
+      <dgm:constr type="h" for="des" forName="parTx" refType="primFontSz" refFor="des" refForName="parTx" fact="0.8"/>
+      <dgm:constr type="h" for="des" forName="parSh" refType="primFontSz" refFor="des" refForName="parTx" fact="1.2"/>
+      <dgm:constr type="h" for="des" forName="desTx" refType="primFontSz" refFor="des" refForName="parTx" fact="1.6"/>
+      <dgm:constr type="h" for="des" forName="parSh" refType="h" refFor="des" refForName="parTx" op="lte" fact="1.5"/>
+      <dgm:constr type="h" for="des" forName="parSh" refType="h" refFor="des" refForName="parTx" op="gte" fact="1.5"/>
+    </dgm:constrLst>
+    <dgm:ruleLst>
+      <dgm:rule type="w" for="ch" forName="composite" val="0" fact="NaN" max="NaN"/>
+      <dgm:rule type="primFontSz" for="des" forName="parTx" val="5" fact="NaN" max="NaN"/>
+    </dgm:ruleLst>
+    <dgm:forEach name="Name3" axis="ch" ptType="node">
+      <dgm:layoutNode name="composite">
+        <dgm:alg type="composite"/>
+        <dgm:shape xmlns:r="http://schemas.openxmlformats.org/officeDocument/2006/relationships" r:blip="">
+          <dgm:adjLst/>
+        </dgm:shape>
+        <dgm:presOf/>
+        <dgm:choose name="Name4">
+          <dgm:if name="Name5" func="var" arg="dir" op="equ" val="norm">
+            <dgm:constrLst>
+              <dgm:constr type="h" refType="w" fact="1000"/>
+              <dgm:constr type="l" for="ch" forName="parTx"/>
+              <dgm:constr type="w" for="ch" forName="parTx" refType="w" fact="0.83"/>
+              <dgm:constr type="t" for="ch" forName="parTx"/>
+              <dgm:constr type="l" for="ch" forName="parSh"/>
+              <dgm:constr type="w" for="ch" forName="parSh" refType="w" refFor="ch" refForName="parTx"/>
+              <dgm:constr type="t" for="ch" forName="parSh"/>
+              <dgm:constr type="l" for="ch" forName="desTx" refType="w" fact="0.17"/>
+              <dgm:constr type="w" for="ch" forName="desTx" refType="w" refFor="ch" refForName="parTx"/>
+              <dgm:constr type="t" for="ch" forName="desTx" refType="h" refFor="ch" refForName="parTx"/>
+            </dgm:constrLst>
+          </dgm:if>
+          <dgm:else name="Name6">
+            <dgm:constrLst>
+              <dgm:constr type="h" refType="w" fact="1000"/>
+              <dgm:constr type="l" for="ch" forName="parTx" refType="w" fact="0.17"/>
+              <dgm:constr type="w" for="ch" forName="parTx" refType="w" fact="0.83"/>
+              <dgm:constr type="t" for="ch" forName="parTx"/>
+              <dgm:constr type="l" for="ch" forName="parSh" refType="w" fact="0.15"/>
+              <dgm:constr type="w" for="ch" forName="parSh" refType="w" refFor="ch" refForName="parTx"/>
+              <dgm:constr type="t" for="ch" forName="parSh"/>
+              <dgm:constr type="l" for="ch" forName="desTx"/>
+              <dgm:constr type="w" for="ch" forName="desTx" refType="w" refFor="ch" refForName="parTx"/>
+              <dgm:constr type="t" for="ch" forName="desTx" refType="h" refFor="ch" refForName="parTx"/>
+            </dgm:constrLst>
+          </dgm:else>
+        </dgm:choose>
+        <dgm:ruleLst>
+          <dgm:rule type="h" val="INF" fact="NaN" max="NaN"/>
+        </dgm:ruleLst>
+        <dgm:layoutNode name="parTx">
+          <dgm:varLst>
+            <dgm:chMax val="0"/>
+            <dgm:chPref val="0"/>
+            <dgm:bulletEnabled val="1"/>
+          </dgm:varLst>
+          <dgm:alg type="tx">
+            <dgm:param type="parTxLTRAlign" val="l"/>
+            <dgm:param type="parTxRTLAlign" val="r"/>
+            <dgm:param type="txAnchorVert" val="t"/>
+          </dgm:alg>
+          <dgm:shape xmlns:r="http://schemas.openxmlformats.org/officeDocument/2006/relationships" type="rect" r:blip="" zOrderOff="1" hideGeom="1">
+            <dgm:adjLst>
+              <dgm:adj idx="1" val="0.1"/>
+            </dgm:adjLst>
+          </dgm:shape>
+          <dgm:presOf axis="self" ptType="node"/>
+          <dgm:constrLst>
+            <dgm:constr type="h" refType="w" op="lte" fact="0.4"/>
+            <dgm:constr type="bMarg" refType="primFontSz" fact="0.3"/>
+            <dgm:constr type="h"/>
+          </dgm:constrLst>
+          <dgm:ruleLst>
+            <dgm:rule type="h" val="INF" fact="NaN" max="NaN"/>
+          </dgm:ruleLst>
+        </dgm:layoutNode>
+        <dgm:layoutNode name="parSh">
+          <dgm:alg type="sp"/>
+          <dgm:shape xmlns:r="http://schemas.openxmlformats.org/officeDocument/2006/relationships" type="roundRect" r:blip="">
+            <dgm:adjLst>
+              <dgm:adj idx="1" val="0.1"/>
+            </dgm:adjLst>
+          </dgm:shape>
+          <dgm:presOf axis="self" ptType="node"/>
+          <dgm:constrLst>
+            <dgm:constr type="h"/>
+          </dgm:constrLst>
+          <dgm:ruleLst/>
+        </dgm:layoutNode>
+        <dgm:layoutNode name="desTx" styleLbl="fgAcc1">
+          <dgm:varLst>
+            <dgm:bulletEnabled val="1"/>
+          </dgm:varLst>
+          <dgm:alg type="tx">
+            <dgm:param type="stBulletLvl" val="1"/>
+          </dgm:alg>
+          <dgm:shape xmlns:r="http://schemas.openxmlformats.org/officeDocument/2006/relationships" type="roundRect" r:blip="">
+            <dgm:adjLst>
+              <dgm:adj idx="1" val="0.1"/>
+            </dgm:adjLst>
+          </dgm:shape>
+          <dgm:presOf axis="des" ptType="node"/>
+          <dgm:constrLst>
+            <dgm:constr type="secFontSz" val="65"/>
+            <dgm:constr type="primFontSz" refType="secFontSz"/>
+            <dgm:constr type="h"/>
+          </dgm:constrLst>
+          <dgm:ruleLst>
+            <dgm:rule type="h" val="INF" fact="NaN" max="NaN"/>
+          </dgm:ruleLst>
+        </dgm:layoutNode>
+      </dgm:layoutNode>
+      <dgm:forEach name="sibTransForEach" axis="followSib" ptType="sibTrans" cnt="1">
+        <dgm:layoutNode name="sibTrans">
+          <dgm:alg type="conn">
+            <dgm:param type="begPts" val="auto"/>
+            <dgm:param type="endPts" val="auto"/>
+            <dgm:param type="srcNode" val="parTx"/>
+            <dgm:param type="dstNode" val="parTx"/>
+          </dgm:alg>
+          <dgm:shape xmlns:r="http://schemas.openxmlformats.org/officeDocument/2006/relationships" type="conn" r:blip="">
+            <dgm:adjLst/>
+          </dgm:shape>
+          <dgm:presOf axis="self"/>
+          <dgm:constrLst>
+            <dgm:constr type="h" refType="w" fact="0.62"/>
+            <dgm:constr type="connDist"/>
+            <dgm:constr type="begPad" refType="connDist" fact="0.25"/>
+            <dgm:constr type="endPad" refType="connDist" fact="0.22"/>
+          </dgm:constrLst>
+          <dgm:ruleLst/>
+          <dgm:layoutNode name="connTx">
+            <dgm:alg type="tx">
+              <dgm:param type="autoTxRot" val="grav"/>
+            </dgm:alg>
+            <dgm:shape xmlns:r="http://schemas.openxmlformats.org/officeDocument/2006/relationships" type="conn" r:blip="" hideGeom="1">
+              <dgm:adjLst/>
+            </dgm:shape>
+            <dgm:presOf axis="self"/>
+            <dgm:constrLst>
+              <dgm:constr type="lMarg"/>
+              <dgm:constr type="rMarg"/>
+              <dgm:constr type="tMarg"/>
+              <dgm:constr type="bMarg"/>
+            </dgm:constrLst>
+            <dgm:ruleLst>
+              <dgm:rule type="primFontSz" val="5" fact="NaN" max="NaN"/>
+            </dgm:ruleLst>
+          </dgm:layoutNode>
+        </dgm:layoutNode>
+      </dgm:forEach>
+    </dgm:forEach>
+  </dgm:layoutNode>
+</dgm:layoutDef>
+</file>
+
 <file path=ppt/diagrams/quickStyle1.xml><?xml version="1.0" encoding="utf-8"?>
+<dgm:styleDef xmlns:dgm="http://schemas.openxmlformats.org/drawingml/2006/diagram" xmlns:a="http://schemas.openxmlformats.org/drawingml/2006/main" uniqueId="urn:microsoft.com/office/officeart/2005/8/quickstyle/simple1">
+  <dgm:title val=""/>
+  <dgm:desc val=""/>
+  <dgm:catLst>
+    <dgm:cat type="simple" pri="10100"/>
+  </dgm:catLst>
+  <dgm:scene3d>
+    <a:camera prst="orthographicFront"/>
+    <a:lightRig rig="threePt" dir="t"/>
+  </dgm:scene3d>
+  <dgm:styleLbl name="node0">
+    <dgm:scene3d>
+      <a:camera prst="orthographicFront"/>
+      <a:lightRig rig="threePt" dir="t"/>
+    </dgm:scene3d>
+    <dgm:sp3d/>
+    <dgm:txPr/>
+    <dgm:style>
+      <a:lnRef idx="2">
+        <a:scrgbClr r="0" g="0" b="0"/>
+      </a:lnRef>
+      <a:fillRef idx="1">
+        <a:scrgbClr r="0" g="0" b="0"/>
+      </a:fillRef>
+      <a:effectRef idx="0">
+        <a:scrgbClr r="0" g="0" b="0"/>
+      </a:effectRef>
+      <a:fontRef idx="minor">
+        <a:schemeClr val="lt1"/>
+      </a:fontRef>
+    </dgm:style>
+  </dgm:styleLbl>
+  <dgm:styleLbl name="lnNode1">
+    <dgm:scene3d>
+      <a:camera prst="orthographicFront"/>
+      <a:lightRig rig="threePt" dir="t"/>
+    </dgm:scene3d>
+    <dgm:sp3d/>
+    <dgm:txPr/>
+    <dgm:style>
+      <a:lnRef idx="2">
+        <a:scrgbClr r="0" g="0" b="0"/>
+      </a:lnRef>
+      <a:fillRef idx="1">
+        <a:scrgbClr r="0" g="0" b="0"/>
+      </a:fillRef>
+      <a:effectRef idx="0">
+        <a:scrgbClr r="0" g="0" b="0"/>
+      </a:effectRef>
+      <a:fontRef idx="minor">
+        <a:schemeClr val="lt1"/>
+      </a:fontRef>
+    </dgm:style>
+  </dgm:styleLbl>
+  <dgm:styleLbl name="vennNode1">
+    <dgm:scene3d>
+      <a:camera prst="orthographicFront"/>
+      <a:lightRig rig="threePt" dir="t"/>
+    </dgm:scene3d>
+    <dgm:sp3d/>
+    <dgm:txPr/>
+    <dgm:style>
+      <a:lnRef idx="2">
+        <a:scrgbClr r="0" g="0" b="0"/>
+      </a:lnRef>
+      <a:fillRef idx="1">
+        <a:scrgbClr r="0" g="0" b="0"/>
+      </a:fillRef>
+      <a:effectRef idx="0">
+        <a:scrgbClr r="0" g="0" b="0"/>
+      </a:effectRef>
+      <a:fontRef idx="minor">
+        <a:schemeClr val="tx1"/>
+      </a:fontRef>
+    </dgm:style>
+  </dgm:styleLbl>
+  <dgm:styleLbl name="alignNode1">
+    <dgm:scene3d>
+      <a:camera prst="orthographicFront"/>
+      <a:lightRig rig="threePt" dir="t"/>
+    </dgm:scene3d>
+    <dgm:sp3d/>
+    <dgm:txPr/>
+    <dgm:style>
+      <a:lnRef idx="2">
+        <a:scrgbClr r="0" g="0" b="0"/>
+      </a:lnRef>
+      <a:fillRef idx="1">
+        <a:scrgbClr r="0" g="0" b="0"/>
+      </a:fillRef>
+      <a:effectRef idx="0">
+        <a:scrgbClr r="0" g="0" b="0"/>
+      </a:effectRef>
+      <a:fontRef idx="minor">
+        <a:schemeClr val="lt1"/>
+      </a:fontRef>
+    </dgm:style>
+  </dgm:styleLbl>
+  <dgm:styleLbl name="node1">
+    <dgm:scene3d>
+      <a:camera prst="orthographicFront"/>
+      <a:lightRig rig="threePt" dir="t"/>
+    </dgm:scene3d>
+    <dgm:sp3d/>
+    <dgm:txPr/>
+    <dgm:style>
+      <a:lnRef idx="2">
+        <a:scrgbClr r="0" g="0" b="0"/>
+      </a:lnRef>
+      <a:fillRef idx="1">
+        <a:scrgbClr r="0" g="0" b="0"/>
+      </a:fillRef>
+      <a:effectRef idx="0">
+        <a:scrgbClr r="0" g="0" b="0"/>
+      </a:effectRef>
+      <a:fontRef idx="minor">
+        <a:schemeClr val="lt1"/>
+      </a:fontRef>
+    </dgm:style>
+  </dgm:styleLbl>
+  <dgm:styleLbl name="node2">
+    <dgm:scene3d>
+      <a:camera prst="orthographicFront"/>
+      <a:lightRig rig="threePt" dir="t"/>
+    </dgm:scene3d>
+    <dgm:sp3d/>
+    <dgm:txPr/>
+    <dgm:style>
+      <a:lnRef idx="2">
+        <a:scrgbClr r="0" g="0" b="0"/>
+      </a:lnRef>
+      <a:fillRef idx="1">
+        <a:scrgbClr r="0" g="0" b="0"/>
+      </a:fillRef>
+      <a:effectRef idx="0">
+        <a:scrgbClr r="0" g="0" b="0"/>
+      </a:effectRef>
+      <a:fontRef idx="minor">
+        <a:schemeClr val="lt1"/>
+      </a:fontRef>
+    </dgm:style>
+  </dgm:styleLbl>
+  <dgm:styleLbl name="node3">
+    <dgm:scene3d>
+      <a:camera prst="orthographicFront"/>
+      <a:lightRig rig="threePt" dir="t"/>
+    </dgm:scene3d>
+    <dgm:sp3d/>
+    <dgm:txPr/>
+    <dgm:style>
+      <a:lnRef idx="2">
+        <a:scrgbClr r="0" g="0" b="0"/>
+      </a:lnRef>
+      <a:fillRef idx="1">
+        <a:scrgbClr r="0" g="0" b="0"/>
+      </a:fillRef>
+      <a:effectRef idx="0">
+        <a:scrgbClr r="0" g="0" b="0"/>
+      </a:effectRef>
+      <a:fontRef idx="minor">
+        <a:schemeClr val="lt1"/>
+      </a:fontRef>
+    </dgm:style>
+  </dgm:styleLbl>
+  <dgm:styleLbl name="node4">
+    <dgm:scene3d>
+      <a:camera prst="orthographicFront"/>
+      <a:lightRig rig="threePt" dir="t"/>
+    </dgm:scene3d>
+    <dgm:sp3d/>
+    <dgm:txPr/>
+    <dgm:style>
+      <a:lnRef idx="2">
+        <a:scrgbClr r="0" g="0" b="0"/>
+      </a:lnRef>
+      <a:fillRef idx="1">
+        <a:scrgbClr r="0" g="0" b="0"/>
+      </a:fillRef>
+      <a:effectRef idx="0">
+        <a:scrgbClr r="0" g="0" b="0"/>
+      </a:effectRef>
+      <a:fontRef idx="minor">
+        <a:schemeClr val="lt1"/>
+      </a:fontRef>
+    </dgm:style>
+  </dgm:styleLbl>
+  <dgm:styleLbl name="fgImgPlace1">
+    <dgm:scene3d>
+      <a:camera prst="orthographicFront"/>
+      <a:lightRig rig="threePt" dir="t"/>
+    </dgm:scene3d>
+    <dgm:sp3d/>
+    <dgm:txPr/>
+    <dgm:style>
+      <a:lnRef idx="2">
+        <a:scrgbClr r="0" g="0" b="0"/>
+      </a:lnRef>
+      <a:fillRef idx="1">
+        <a:scrgbClr r="0" g="0" b="0"/>
+      </a:fillRef>
+      <a:effectRef idx="0">
+        <a:scrgbClr r="0" g="0" b="0"/>
+      </a:effectRef>
+      <a:fontRef idx="minor"/>
+    </dgm:style>
+  </dgm:styleLbl>
+  <dgm:styleLbl name="alignImgPlace1">
+    <dgm:scene3d>
+      <a:camera prst="orthographicFront"/>
+      <a:lightRig rig="threePt" dir="t"/>
+    </dgm:scene3d>
+    <dgm:sp3d/>
+    <dgm:txPr/>
+    <dgm:style>
+      <a:lnRef idx="2">
+        <a:scrgbClr r="0" g="0" b="0"/>
+      </a:lnRef>
+      <a:fillRef idx="1">
+        <a:scrgbClr r="0" g="0" b="0"/>
+      </a:fillRef>
+      <a:effectRef idx="0">
+        <a:scrgbClr r="0" g="0" b="0"/>
+      </a:effectRef>
+      <a:fontRef idx="minor"/>
+    </dgm:style>
+  </dgm:styleLbl>
+  <dgm:styleLbl name="bgImgPlace1">
+    <dgm:scene3d>
+      <a:camera prst="orthographicFront"/>
+      <a:lightRig rig="threePt" dir="t"/>
+    </dgm:scene3d>
+    <dgm:sp3d/>
+    <dgm:txPr/>
+    <dgm:style>
+      <a:lnRef idx="2">
+        <a:scrgbClr r="0" g="0" b="0"/>
+      </a:lnRef>
+      <a:fillRef idx="1">
+        <a:scrgbClr r="0" g="0" b="0"/>
+      </a:fillRef>
+      <a:effectRef idx="0">
+        <a:scrgbClr r="0" g="0" b="0"/>
+      </a:effectRef>
+      <a:fontRef idx="minor"/>
+    </dgm:style>
+  </dgm:styleLbl>
+  <dgm:styleLbl name="sibTrans2D1">
+    <dgm:scene3d>
+      <a:camera prst="orthographicFront"/>
+      <a:lightRig rig="threePt" dir="t"/>
+    </dgm:scene3d>
+    <dgm:sp3d/>
+    <dgm:txPr/>
+    <dgm:style>
+      <a:lnRef idx="0">
+        <a:scrgbClr r="0" g="0" b="0"/>
+      </a:lnRef>
+      <a:fillRef idx="1">
+        <a:scrgbClr r="0" g="0" b="0"/>
+      </a:fillRef>
+      <a:effectRef idx="0">
+        <a:scrgbClr r="0" g="0" b="0"/>
+      </a:effectRef>
+      <a:fontRef idx="minor">
+        <a:schemeClr val="lt1"/>
+      </a:fontRef>
+    </dgm:style>
+  </dgm:styleLbl>
+  <dgm:styleLbl name="fgSibTrans2D1">
+    <dgm:scene3d>
+      <a:camera prst="orthographicFront"/>
+      <a:lightRig rig="threePt" dir="t"/>
+    </dgm:scene3d>
+    <dgm:sp3d/>
+    <dgm:txPr/>
+    <dgm:style>
+      <a:lnRef idx="0">
+        <a:scrgbClr r="0" g="0" b="0"/>
+      </a:lnRef>
+      <a:fillRef idx="1">
+        <a:scrgbClr r="0" g="0" b="0"/>
+      </a:fillRef>
+      <a:effectRef idx="0">
+        <a:scrgbClr r="0" g="0" b="0"/>
+      </a:effectRef>
+      <a:fontRef idx="minor">
+        <a:schemeClr val="lt1"/>
+      </a:fontRef>
+    </dgm:style>
+  </dgm:styleLbl>
+  <dgm:styleLbl name="bgSibTrans2D1">
+    <dgm:scene3d>
+      <a:camera prst="orthographicFront"/>
+      <a:lightRig rig="threePt" dir="t"/>
+    </dgm:scene3d>
+    <dgm:sp3d/>
+    <dgm:txPr/>
+    <dgm:style>
+      <a:lnRef idx="0">
+        <a:scrgbClr r="0" g="0" b="0"/>
+      </a:lnRef>
+      <a:fillRef idx="1">
+        <a:scrgbClr r="0" g="0" b="0"/>
+      </a:fillRef>
+      <a:effectRef idx="0">
+        <a:scrgbClr r="0" g="0" b="0"/>
+      </a:effectRef>
+      <a:fontRef idx="minor">
+        <a:schemeClr val="lt1"/>
+      </a:fontRef>
+    </dgm:style>
+  </dgm:styleLbl>
+  <dgm:styleLbl name="sibTrans1D1">
+    <dgm:scene3d>
+      <a:camera prst="orthographicFront"/>
+      <a:lightRig rig="threePt" dir="t"/>
+    </dgm:scene3d>
+    <dgm:sp3d/>
+    <dgm:txPr/>
+    <dgm:style>
+      <a:lnRef idx="1">
+        <a:scrgbClr r="0" g="0" b="0"/>
+      </a:lnRef>
+      <a:fillRef idx="0">
+        <a:scrgbClr r="0" g="0" b="0"/>
+      </a:fillRef>
+      <a:effectRef idx="0">
+        <a:scrgbClr r="0" g="0" b="0"/>
+      </a:effectRef>
+      <a:fontRef idx="minor"/>
+    </dgm:style>
+  </dgm:styleLbl>
+  <dgm:styleLbl name="callout">
+    <dgm:scene3d>
+      <a:camera prst="orthographicFront"/>
+      <a:lightRig rig="threePt" dir="t"/>
+    </dgm:scene3d>
+    <dgm:sp3d/>
+    <dgm:txPr/>
+    <dgm:style>
+      <a:lnRef idx="2">
+        <a:scrgbClr r="0" g="0" b="0"/>
+      </a:lnRef>
+      <a:fillRef idx="1">
+        <a:scrgbClr r="0" g="0" b="0"/>
+      </a:fillRef>
+      <a:effectRef idx="0">
+        <a:scrgbClr r="0" g="0" b="0"/>
+      </a:effectRef>
+      <a:fontRef idx="minor"/>
+    </dgm:style>
+  </dgm:styleLbl>
+  <dgm:styleLbl name="asst0">
+    <dgm:scene3d>
+      <a:camera prst="orthographicFront"/>
+      <a:lightRig rig="threePt" dir="t"/>
+    </dgm:scene3d>
+    <dgm:sp3d/>
+    <dgm:txPr/>
+    <dgm:style>
+      <a:lnRef idx="2">
+        <a:scrgbClr r="0" g="0" b="0"/>
+      </a:lnRef>
+      <a:fillRef idx="1">
+        <a:scrgbClr r="0" g="0" b="0"/>
+      </a:fillRef>
+      <a:effectRef idx="0">
+        <a:scrgbClr r="0" g="0" b="0"/>
+      </a:effectRef>
+      <a:fontRef idx="minor">
+        <a:schemeClr val="lt1"/>
+      </a:fontRef>
+    </dgm:style>
+  </dgm:styleLbl>
+  <dgm:styleLbl name="asst1">
+    <dgm:scene3d>
+      <a:camera prst="orthographicFront"/>
+      <a:lightRig rig="threePt" dir="t"/>
+    </dgm:scene3d>
+    <dgm:sp3d/>
+    <dgm:txPr/>
+    <dgm:style>
+      <a:lnRef idx="2">
+        <a:scrgbClr r="0" g="0" b="0"/>
+      </a:lnRef>
+      <a:fillRef idx="1">
+        <a:scrgbClr r="0" g="0" b="0"/>
+      </a:fillRef>
+      <a:effectRef idx="0">
+        <a:scrgbClr r="0" g="0" b="0"/>
+      </a:effectRef>
+      <a:fontRef idx="minor">
+        <a:schemeClr val="lt1"/>
+      </a:fontRef>
+    </dgm:style>
+  </dgm:styleLbl>
+  <dgm:styleLbl name="asst2">
+    <dgm:scene3d>
+      <a:camera prst="orthographicFront"/>
+      <a:lightRig rig="threePt" dir="t"/>
+    </dgm:scene3d>
+    <dgm:sp3d/>
+    <dgm:txPr/>
+    <dgm:style>
+      <a:lnRef idx="2">
+        <a:scrgbClr r="0" g="0" b="0"/>
+      </a:lnRef>
+      <a:fillRef idx="1">
+        <a:scrgbClr r="0" g="0" b="0"/>
+      </a:fillRef>
+      <a:effectRef idx="0">
+        <a:scrgbClr r="0" g="0" b="0"/>
+      </a:effectRef>
+      <a:fontRef idx="minor">
+        <a:schemeClr val="lt1"/>
+      </a:fontRef>
+    </dgm:style>
+  </dgm:styleLbl>
+  <dgm:styleLbl name="asst3">
+    <dgm:scene3d>
+      <a:camera prst="orthographicFront"/>
+      <a:lightRig rig="threePt" dir="t"/>
+    </dgm:scene3d>
+    <dgm:sp3d/>
+    <dgm:txPr/>
+    <dgm:style>
+      <a:lnRef idx="2">
+        <a:scrgbClr r="0" g="0" b="0"/>
+      </a:lnRef>
+      <a:fillRef idx="1">
+        <a:scrgbClr r="0" g="0" b="0"/>
+      </a:fillRef>
+      <a:effectRef idx="0">
+        <a:scrgbClr r="0" g="0" b="0"/>
+      </a:effectRef>
+      <a:fontRef idx="minor">
+        <a:schemeClr val="lt1"/>
+      </a:fontRef>
+    </dgm:style>
+  </dgm:styleLbl>
+  <dgm:styleLbl name="asst4">
+    <dgm:scene3d>
+      <a:camera prst="orthographicFront"/>
+      <a:lightRig rig="threePt" dir="t"/>
+    </dgm:scene3d>
+    <dgm:sp3d/>
+    <dgm:txPr/>
+    <dgm:style>
+      <a:lnRef idx="2">
+        <a:scrgbClr r="0" g="0" b="0"/>
+      </a:lnRef>
+      <a:fillRef idx="1">
+        <a:scrgbClr r="0" g="0" b="0"/>
+      </a:fillRef>
+      <a:effectRef idx="0">
+        <a:scrgbClr r="0" g="0" b="0"/>
+      </a:effectRef>
+      <a:fontRef idx="minor">
+        <a:schemeClr val="lt1"/>
+      </a:fontRef>
+    </dgm:style>
+  </dgm:styleLbl>
+  <dgm:styleLbl name="parChTrans2D1">
+    <dgm:scene3d>
+      <a:camera prst="orthographicFront"/>
+      <a:lightRig rig="threePt" dir="t"/>
+    </dgm:scene3d>
+    <dgm:sp3d/>
+    <dgm:txPr/>
+    <dgm:style>
+      <a:lnRef idx="2">
+        <a:scrgbClr r="0" g="0" b="0"/>
+      </a:lnRef>
+      <a:fillRef idx="1">
+        <a:scrgbClr r="0" g="0" b="0"/>
+      </a:fillRef>
+      <a:effectRef idx="0">
+        <a:scrgbClr r="0" g="0" b="0"/>
+      </a:effectRef>
+      <a:fontRef idx="minor">
+        <a:schemeClr val="lt1"/>
+      </a:fontRef>
+    </dgm:style>
+  </dgm:styleLbl>
+  <dgm:styleLbl name="parChTrans2D2">
+    <dgm:scene3d>
+      <a:camera prst="orthographicFront"/>
+      <a:lightRig rig="threePt" dir="t"/>
+    </dgm:scene3d>
+    <dgm:sp3d/>
+    <dgm:txPr/>
+    <dgm:style>
+      <a:lnRef idx="2">
+        <a:scrgbClr r="0" g="0" b="0"/>
+      </a:lnRef>
+      <a:fillRef idx="1">
+        <a:scrgbClr r="0" g="0" b="0"/>
+      </a:fillRef>
+      <a:effectRef idx="0">
+        <a:scrgbClr r="0" g="0" b="0"/>
+      </a:effectRef>
+      <a:fontRef idx="minor">
+        <a:schemeClr val="lt1"/>
+      </a:fontRef>
+    </dgm:style>
+  </dgm:styleLbl>
+  <dgm:styleLbl name="parChTrans2D3">
+    <dgm:scene3d>
+      <a:camera prst="orthographicFront"/>
+      <a:lightRig rig="threePt" dir="t"/>
+    </dgm:scene3d>
+    <dgm:sp3d/>
+    <dgm:txPr/>
+    <dgm:style>
+      <a:lnRef idx="2">
+        <a:scrgbClr r="0" g="0" b="0"/>
+      </a:lnRef>
+      <a:fillRef idx="1">
+        <a:scrgbClr r="0" g="0" b="0"/>
+      </a:fillRef>
+      <a:effectRef idx="0">
+        <a:scrgbClr r="0" g="0" b="0"/>
+      </a:effectRef>
+      <a:fontRef idx="minor">
+        <a:schemeClr val="lt1"/>
+      </a:fontRef>
+    </dgm:style>
+  </dgm:styleLbl>
+  <dgm:styleLbl name="parChTrans2D4">
+    <dgm:scene3d>
+      <a:camera prst="orthographicFront"/>
+      <a:lightRig rig="threePt" dir="t"/>
+    </dgm:scene3d>
+    <dgm:sp3d/>
+    <dgm:txPr/>
+    <dgm:style>
+      <a:lnRef idx="2">
+        <a:scrgbClr r="0" g="0" b="0"/>
+      </a:lnRef>
+      <a:fillRef idx="1">
+        <a:scrgbClr r="0" g="0" b="0"/>
+      </a:fillRef>
+      <a:effectRef idx="0">
+        <a:scrgbClr r="0" g="0" b="0"/>
+      </a:effectRef>
+      <a:fontRef idx="minor">
+        <a:schemeClr val="lt1"/>
+      </a:fontRef>
+    </dgm:style>
+  </dgm:styleLbl>
+  <dgm:styleLbl name="parChTrans1D1">
+    <dgm:scene3d>
+      <a:camera prst="orthographicFront"/>
+      <a:lightRig rig="threePt" dir="t"/>
+    </dgm:scene3d>
+    <dgm:sp3d/>
+    <dgm:txPr/>
+    <dgm:style>
+      <a:lnRef idx="2">
+        <a:scrgbClr r="0" g="0" b="0"/>
+      </a:lnRef>
+      <a:fillRef idx="0">
+        <a:scrgbClr r="0" g="0" b="0"/>
+      </a:fillRef>
+      <a:effectRef idx="0">
+        <a:scrgbClr r="0" g="0" b="0"/>
+      </a:effectRef>
+      <a:fontRef idx="minor"/>
+    </dgm:style>
+  </dgm:styleLbl>
+  <dgm:styleLbl name="parChTrans1D2">
+    <dgm:scene3d>
+      <a:camera prst="orthographicFront"/>
+      <a:lightRig rig="threePt" dir="t"/>
+    </dgm:scene3d>
+    <dgm:sp3d/>
+    <dgm:txPr/>
+    <dgm:style>
+      <a:lnRef idx="2">
+        <a:scrgbClr r="0" g="0" b="0"/>
+      </a:lnRef>
+      <a:fillRef idx="0">
+        <a:scrgbClr r="0" g="0" b="0"/>
+      </a:fillRef>
+      <a:effectRef idx="0">
+        <a:scrgbClr r="0" g="0" b="0"/>
+      </a:effectRef>
+      <a:fontRef idx="minor"/>
+    </dgm:style>
+  </dgm:styleLbl>
+  <dgm:styleLbl name="parChTrans1D3">
+    <dgm:scene3d>
+      <a:camera prst="orthographicFront"/>
+      <a:lightRig rig="threePt" dir="t"/>
+    </dgm:scene3d>
+    <dgm:sp3d/>
+    <dgm:txPr/>
+    <dgm:style>
+      <a:lnRef idx="2">
+        <a:scrgbClr r="0" g="0" b="0"/>
+      </a:lnRef>
+      <a:fillRef idx="0">
+        <a:scrgbClr r="0" g="0" b="0"/>
+      </a:fillRef>
+      <a:effectRef idx="0">
+        <a:scrgbClr r="0" g="0" b="0"/>
+      </a:effectRef>
+      <a:fontRef idx="minor"/>
+    </dgm:style>
+  </dgm:styleLbl>
+  <dgm:styleLbl name="parChTrans1D4">
+    <dgm:scene3d>
+      <a:camera prst="orthographicFront"/>
+      <a:lightRig rig="threePt" dir="t"/>
+    </dgm:scene3d>
+    <dgm:sp3d/>
+    <dgm:txPr/>
+    <dgm:style>
+      <a:lnRef idx="2">
+        <a:scrgbClr r="0" g="0" b="0"/>
+      </a:lnRef>
+      <a:fillRef idx="0">
+        <a:scrgbClr r="0" g="0" b="0"/>
+      </a:fillRef>
+      <a:effectRef idx="0">
+        <a:scrgbClr r="0" g="0" b="0"/>
+      </a:effectRef>
+      <a:fontRef idx="minor"/>
+    </dgm:style>
+  </dgm:styleLbl>
+  <dgm:styleLbl name="fgAcc1">
+    <dgm:scene3d>
+      <a:camera prst="orthographicFront"/>
+      <a:lightRig rig="threePt" dir="t"/>
+    </dgm:scene3d>
+    <dgm:sp3d/>
+    <dgm:txPr/>
+    <dgm:style>
+      <a:lnRef idx="2">
+        <a:scrgbClr r="0" g="0" b="0"/>
+      </a:lnRef>
+      <a:fillRef idx="1">
+        <a:scrgbClr r="0" g="0" b="0"/>
+      </a:fillRef>
+      <a:effectRef idx="0">
+        <a:scrgbClr r="0" g="0" b="0"/>
+      </a:effectRef>
+      <a:fontRef idx="minor"/>
+    </dgm:style>
+  </dgm:styleLbl>
+  <dgm:styleLbl name="conFgAcc1">
+    <dgm:scene3d>
+      <a:camera prst="orthographicFront"/>
+      <a:lightRig rig="threePt" dir="t"/>
+    </dgm:scene3d>
+    <dgm:sp3d/>
+    <dgm:txPr/>
+    <dgm:style>
+      <a:lnRef idx="2">
+        <a:scrgbClr r="0" g="0" b="0"/>
+      </a:lnRef>
+      <a:fillRef idx="1">
+        <a:scrgbClr r="0" g="0" b="0"/>
+      </a:fillRef>
+      <a:effectRef idx="0">
+        <a:scrgbClr r="0" g="0" b="0"/>
+      </a:effectRef>
+      <a:fontRef idx="minor"/>
+    </dgm:style>
+  </dgm:styleLbl>
+  <dgm:styleLbl name="alignAcc1">
+    <dgm:scene3d>
+      <a:camera prst="orthographicFront"/>
+      <a:lightRig rig="threePt" dir="t"/>
+    </dgm:scene3d>
+    <dgm:sp3d/>
+    <dgm:txPr/>
+    <dgm:style>
+      <a:lnRef idx="2">
+        <a:scrgbClr r="0" g="0" b="0"/>
+      </a:lnRef>
+      <a:fillRef idx="1">
+        <a:scrgbClr r="0" g="0" b="0"/>
+      </a:fillRef>
+      <a:effectRef idx="0">
+        <a:scrgbClr r="0" g="0" b="0"/>
+      </a:effectRef>
+      <a:fontRef idx="minor"/>
+    </dgm:style>
+  </dgm:styleLbl>
+  <dgm:styleLbl name="trAlignAcc1">
+    <dgm:scene3d>
+      <a:camera prst="orthographicFront"/>
+      <a:lightRig rig="threePt" dir="t"/>
+    </dgm:scene3d>
+    <dgm:sp3d/>
+    <dgm:txPr/>
+    <dgm:style>
+      <a:lnRef idx="1">
+        <a:scrgbClr r="0" g="0" b="0"/>
+      </a:lnRef>
+      <a:fillRef idx="1">
+        <a:scrgbClr r="0" g="0" b="0"/>
+      </a:fillRef>
+      <a:effectRef idx="0">
+        <a:scrgbClr r="0" g="0" b="0"/>
+      </a:effectRef>
+      <a:fontRef idx="minor"/>
+    </dgm:style>
+  </dgm:styleLbl>
+  <dgm:styleLbl name="bgAcc1">
+    <dgm:scene3d>
+      <a:camera prst="orthographicFront"/>
+      <a:lightRig rig="threePt" dir="t"/>
+    </dgm:scene3d>
+    <dgm:sp3d/>
+    <dgm:txPr/>
+    <dgm:style>
+      <a:lnRef idx="2">
+        <a:scrgbClr r="0" g="0" b="0"/>
+      </a:lnRef>
+      <a:fillRef idx="1">
+        <a:scrgbClr r="0" g="0" b="0"/>
+      </a:fillRef>
+      <a:effectRef idx="0">
+        <a:scrgbClr r="0" g="0" b="0"/>
+      </a:effectRef>
+      <a:fontRef idx="minor"/>
+    </dgm:style>
+  </dgm:styleLbl>
+  <dgm:styleLbl name="solidFgAcc1">
+    <dgm:scene3d>
+      <a:camera prst="orthographicFront"/>
+      <a:lightRig rig="threePt" dir="t"/>
+    </dgm:scene3d>
+    <dgm:sp3d/>
+    <dgm:txPr/>
+    <dgm:style>
+      <a:lnRef idx="2">
+        <a:scrgbClr r="0" g="0" b="0"/>
+      </a:lnRef>
+      <a:fillRef idx="1">
+        <a:scrgbClr r="0" g="0" b="0"/>
+      </a:fillRef>
+      <a:effectRef idx="0">
+        <a:scrgbClr r="0" g="0" b="0"/>
+      </a:effectRef>
+      <a:fontRef idx="minor"/>
+    </dgm:style>
+  </dgm:styleLbl>
+  <dgm:styleLbl name="solidAlignAcc1">
+    <dgm:scene3d>
+      <a:camera prst="orthographicFront"/>
+      <a:lightRig rig="threePt" dir="t"/>
+    </dgm:scene3d>
+    <dgm:sp3d/>
+    <dgm:txPr/>
+    <dgm:style>
+      <a:lnRef idx="2">
+        <a:scrgbClr r="0" g="0" b="0"/>
+      </a:lnRef>
+      <a:fillRef idx="1">
+        <a:scrgbClr r="0" g="0" b="0"/>
+      </a:fillRef>
+      <a:effectRef idx="0">
+        <a:scrgbClr r="0" g="0" b="0"/>
+      </a:effectRef>
+      <a:fontRef idx="minor"/>
+    </dgm:style>
+  </dgm:styleLbl>
+  <dgm:styleLbl name="solidBgAcc1">
+    <dgm:scene3d>
+      <a:camera prst="orthographicFront"/>
+      <a:lightRig rig="threePt" dir="t"/>
+    </dgm:scene3d>
+    <dgm:sp3d/>
+    <dgm:txPr/>
+    <dgm:style>
+      <a:lnRef idx="2">
+        <a:scrgbClr r="0" g="0" b="0"/>
+      </a:lnRef>
+      <a:fillRef idx="1">
+        <a:scrgbClr r="0" g="0" b="0"/>
+      </a:fillRef>
+      <a:effectRef idx="0">
+        <a:scrgbClr r="0" g="0" b="0"/>
+      </a:effectRef>
+      <a:fontRef idx="minor"/>
+    </dgm:style>
+  </dgm:styleLbl>
+  <dgm:styleLbl name="fgAccFollowNode1">
+    <dgm:scene3d>
+      <a:camera prst="orthographicFront"/>
+      <a:lightRig rig="threePt" dir="t"/>
+    </dgm:scene3d>
+    <dgm:sp3d/>
+    <dgm:txPr/>
+    <dgm:style>
+      <a:lnRef idx="2">
+        <a:scrgbClr r="0" g="0" b="0"/>
+      </a:lnRef>
+      <a:fillRef idx="1">
+        <a:scrgbClr r="0" g="0" b="0"/>
+      </a:fillRef>
+      <a:effectRef idx="0">
+        <a:scrgbClr r="0" g="0" b="0"/>
+      </a:effectRef>
+      <a:fontRef idx="minor"/>
+    </dgm:style>
+  </dgm:styleLbl>
+  <dgm:styleLbl name="alignAccFollowNode1">
+    <dgm:scene3d>
+      <a:camera prst="orthographicFront"/>
+      <a:lightRig rig="threePt" dir="t"/>
+    </dgm:scene3d>
+    <dgm:sp3d/>
+    <dgm:txPr/>
+    <dgm:style>
+      <a:lnRef idx="2">
+        <a:scrgbClr r="0" g="0" b="0"/>
+      </a:lnRef>
+      <a:fillRef idx="1">
+        <a:scrgbClr r="0" g="0" b="0"/>
+      </a:fillRef>
+      <a:effectRef idx="0">
+        <a:scrgbClr r="0" g="0" b="0"/>
+      </a:effectRef>
+      <a:fontRef idx="minor"/>
+    </dgm:style>
+  </dgm:styleLbl>
+  <dgm:styleLbl name="bgAccFollowNode1">
+    <dgm:scene3d>
+      <a:camera prst="orthographicFront"/>
+      <a:lightRig rig="threePt" dir="t"/>
+    </dgm:scene3d>
+    <dgm:sp3d/>
+    <dgm:txPr/>
+    <dgm:style>
+      <a:lnRef idx="2">
+        <a:scrgbClr r="0" g="0" b="0"/>
+      </a:lnRef>
+      <a:fillRef idx="1">
+        <a:scrgbClr r="0" g="0" b="0"/>
+      </a:fillRef>
+      <a:effectRef idx="0">
+        <a:scrgbClr r="0" g="0" b="0"/>
+      </a:effectRef>
+      <a:fontRef idx="minor"/>
+    </dgm:style>
+  </dgm:styleLbl>
+  <dgm:styleLbl name="fgAcc0">
+    <dgm:scene3d>
+      <a:camera prst="orthographicFront"/>
+      <a:lightRig rig="threePt" dir="t"/>
+    </dgm:scene3d>
+    <dgm:sp3d/>
+    <dgm:txPr/>
+    <dgm:style>
+      <a:lnRef idx="2">
+        <a:scrgbClr r="0" g="0" b="0"/>
+      </a:lnRef>
+      <a:fillRef idx="1">
+        <a:scrgbClr r="0" g="0" b="0"/>
+      </a:fillRef>
+      <a:effectRef idx="0">
+        <a:scrgbClr r="0" g="0" b="0"/>
+      </a:effectRef>
+      <a:fontRef idx="minor"/>
+    </dgm:style>
+  </dgm:styleLbl>
+  <dgm:styleLbl name="fgAcc2">
+    <dgm:scene3d>
+      <a:camera prst="orthographicFront"/>
+      <a:lightRig rig="threePt" dir="t"/>
+    </dgm:scene3d>
+    <dgm:sp3d/>
+    <dgm:txPr/>
+    <dgm:style>
+      <a:lnRef idx="2">
+        <a:scrgbClr r="0" g="0" b="0"/>
+      </a:lnRef>
+      <a:fillRef idx="1">
+        <a:scrgbClr r="0" g="0" b="0"/>
+      </a:fillRef>
+      <a:effectRef idx="0">
+        <a:scrgbClr r="0" g="0" b="0"/>
+      </a:effectRef>
+      <a:fontRef idx="minor"/>
+    </dgm:style>
+  </dgm:styleLbl>
+  <dgm:styleLbl name="fgAcc3">
+    <dgm:scene3d>
+      <a:camera prst="orthographicFront"/>
+      <a:lightRig rig="threePt" dir="t"/>
+    </dgm:scene3d>
+    <dgm:sp3d/>
+    <dgm:txPr/>
+    <dgm:style>
+      <a:lnRef idx="2">
+        <a:scrgbClr r="0" g="0" b="0"/>
+      </a:lnRef>
+      <a:fillRef idx="1">
+        <a:scrgbClr r="0" g="0" b="0"/>
+      </a:fillRef>
+      <a:effectRef idx="0">
+        <a:scrgbClr r="0" g="0" b="0"/>
+      </a:effectRef>
+      <a:fontRef idx="minor"/>
+    </dgm:style>
+  </dgm:styleLbl>
+  <dgm:styleLbl name="fgAcc4">
+    <dgm:scene3d>
+      <a:camera prst="orthographicFront"/>
+      <a:lightRig rig="threePt" dir="t"/>
+    </dgm:scene3d>
+    <dgm:sp3d/>
+    <dgm:txPr/>
+    <dgm:style>
+      <a:lnRef idx="2">
+        <a:scrgbClr r="0" g="0" b="0"/>
+      </a:lnRef>
+      <a:fillRef idx="1">
+        <a:scrgbClr r="0" g="0" b="0"/>
+      </a:fillRef>
+      <a:effectRef idx="0">
+        <a:scrgbClr r="0" g="0" b="0"/>
+      </a:effectRef>
+      <a:fontRef idx="minor"/>
+    </dgm:style>
+  </dgm:styleLbl>
+  <dgm:styleLbl name="bgShp">
+    <dgm:scene3d>
+      <a:camera prst="orthographicFront"/>
+      <a:lightRig rig="threePt" dir="t"/>
+    </dgm:scene3d>
+    <dgm:sp3d/>
+    <dgm:txPr/>
+    <dgm:style>
+      <a:lnRef idx="0">
+        <a:scrgbClr r="0" g="0" b="0"/>
+      </a:lnRef>
+      <a:fillRef idx="1">
+        <a:scrgbClr r="0" g="0" b="0"/>
+      </a:fillRef>
+      <a:effectRef idx="0">
+        <a:scrgbClr r="0" g="0" b="0"/>
+      </a:effectRef>
+      <a:fontRef idx="minor"/>
+    </dgm:style>
+  </dgm:styleLbl>
+  <dgm:styleLbl name="dkBgShp">
+    <dgm:scene3d>
+      <a:camera prst="orthographicFront"/>
+      <a:lightRig rig="threePt" dir="t"/>
+    </dgm:scene3d>
+    <dgm:sp3d/>
+    <dgm:txPr/>
+    <dgm:style>
+      <a:lnRef idx="0">
+        <a:scrgbClr r="0" g="0" b="0"/>
+      </a:lnRef>
+      <a:fillRef idx="1">
+        <a:scrgbClr r="0" g="0" b="0"/>
+      </a:fillRef>
+      <a:effectRef idx="0">
+        <a:scrgbClr r="0" g="0" b="0"/>
+      </a:effectRef>
+      <a:fontRef idx="minor"/>
+    </dgm:style>
+  </dgm:styleLbl>
+  <dgm:styleLbl name="trBgShp">
+    <dgm:scene3d>
+      <a:camera prst="orthographicFront"/>
+      <a:lightRig rig="threePt" dir="t"/>
+    </dgm:scene3d>
+    <dgm:sp3d/>
+    <dgm:txPr/>
+    <dgm:style>
+      <a:lnRef idx="0">
+        <a:scrgbClr r="0" g="0" b="0"/>
+      </a:lnRef>
+      <a:fillRef idx="1">
+        <a:scrgbClr r="0" g="0" b="0"/>
+      </a:fillRef>
+      <a:effectRef idx="0">
+        <a:scrgbClr r="0" g="0" b="0"/>
+      </a:effectRef>
+      <a:fontRef idx="minor"/>
+    </dgm:style>
+  </dgm:styleLbl>
+  <dgm:styleLbl name="fgShp">
+    <dgm:scene3d>
+      <a:camera prst="orthographicFront"/>
+      <a:lightRig rig="threePt" dir="t"/>
+    </dgm:scene3d>
+    <dgm:sp3d/>
+    <dgm:txPr/>
+    <dgm:style>
+      <a:lnRef idx="2">
+        <a:scrgbClr r="0" g="0" b="0"/>
+      </a:lnRef>
+      <a:fillRef idx="1">
+        <a:scrgbClr r="0" g="0" b="0"/>
+      </a:fillRef>
+      <a:effectRef idx="0">
+        <a:scrgbClr r="0" g="0" b="0"/>
+      </a:effectRef>
+      <a:fontRef idx="minor"/>
+    </dgm:style>
+  </dgm:styleLbl>
+  <dgm:styleLbl name="revTx">
+    <dgm:scene3d>
+      <a:camera prst="orthographicFront"/>
+      <a:lightRig rig="threePt" dir="t"/>
+    </dgm:scene3d>
+    <dgm:sp3d/>
+    <dgm:txPr/>
+    <dgm:style>
+      <a:lnRef idx="0">
+        <a:scrgbClr r="0" g="0" b="0"/>
+      </a:lnRef>
+      <a:fillRef idx="0">
+        <a:scrgbClr r="0" g="0" b="0"/>
+      </a:fillRef>
+      <a:effectRef idx="0">
+        <a:scrgbClr r="0" g="0" b="0"/>
+      </a:effectRef>
+      <a:fontRef idx="minor"/>
+    </dgm:style>
+  </dgm:styleLbl>
+</dgm:styleDef>
+</file>
+
+<file path=ppt/diagrams/quickStyle2.xml><?xml version="1.0" encoding="utf-8"?>
 <dgm:styleDef xmlns:dgm="http://schemas.openxmlformats.org/drawingml/2006/diagram" xmlns:a="http://schemas.openxmlformats.org/drawingml/2006/main" uniqueId="urn:microsoft.com/office/officeart/2005/8/quickstyle/simple1">
   <dgm:title val=""/>
   <dgm:desc val=""/>
@@ -7155,6 +10471,47 @@
           </a:graphicData>
         </a:graphic>
       </p:graphicFrame>
+      <p:pic>
+        <p:nvPicPr>
+          <p:cNvPr id="6" name="Picture 2" descr="Edulution Logo"/>
+          <p:cNvPicPr>
+            <a:picLocks noChangeAspect="1" noChangeArrowheads="1"/>
+          </p:cNvPicPr>
+          <p:nvPr/>
+        </p:nvPicPr>
+        <p:blipFill>
+          <a:blip r:embed="rId7">
+            <a:extLst>
+              <a:ext uri="{28A0092B-C50C-407E-A947-70E740481C1C}">
+                <a14:useLocalDpi xmlns:a14="http://schemas.microsoft.com/office/drawing/2010/main" val="0"/>
+              </a:ext>
+            </a:extLst>
+          </a:blip>
+          <a:srcRect/>
+          <a:stretch>
+            <a:fillRect/>
+          </a:stretch>
+        </p:blipFill>
+        <p:spPr bwMode="auto">
+          <a:xfrm>
+            <a:off x="8298180" y="758952"/>
+            <a:ext cx="2857500" cy="1057276"/>
+          </a:xfrm>
+          <a:prstGeom prst="rect">
+            <a:avLst/>
+          </a:prstGeom>
+          <a:noFill/>
+          <a:extLst>
+            <a:ext uri="{909E8E84-426E-40DD-AFC4-6F175D3DCCD1}">
+              <a14:hiddenFill xmlns:a14="http://schemas.microsoft.com/office/drawing/2010/main">
+                <a:solidFill>
+                  <a:srgbClr val="FFFFFF"/>
+                </a:solidFill>
+              </a14:hiddenFill>
+            </a:ext>
+          </a:extLst>
+        </p:spPr>
+      </p:pic>
     </p:spTree>
     <p:extLst>
       <p:ext uri="{BB962C8B-B14F-4D97-AF65-F5344CB8AC3E}">
@@ -7234,6 +10591,47 @@
           </a:p>
         </p:txBody>
       </p:sp>
+      <p:pic>
+        <p:nvPicPr>
+          <p:cNvPr id="4" name="Picture 2" descr="Edulution Logo"/>
+          <p:cNvPicPr>
+            <a:picLocks noChangeAspect="1" noChangeArrowheads="1"/>
+          </p:cNvPicPr>
+          <p:nvPr/>
+        </p:nvPicPr>
+        <p:blipFill>
+          <a:blip r:embed="rId2">
+            <a:extLst>
+              <a:ext uri="{28A0092B-C50C-407E-A947-70E740481C1C}">
+                <a14:useLocalDpi xmlns:a14="http://schemas.microsoft.com/office/drawing/2010/main" val="0"/>
+              </a:ext>
+            </a:extLst>
+          </a:blip>
+          <a:srcRect/>
+          <a:stretch>
+            <a:fillRect/>
+          </a:stretch>
+        </p:blipFill>
+        <p:spPr bwMode="auto">
+          <a:xfrm>
+            <a:off x="8298180" y="758952"/>
+            <a:ext cx="2857500" cy="1057276"/>
+          </a:xfrm>
+          <a:prstGeom prst="rect">
+            <a:avLst/>
+          </a:prstGeom>
+          <a:noFill/>
+          <a:extLst>
+            <a:ext uri="{909E8E84-426E-40DD-AFC4-6F175D3DCCD1}">
+              <a14:hiddenFill xmlns:a14="http://schemas.microsoft.com/office/drawing/2010/main">
+                <a:solidFill>
+                  <a:srgbClr val="FFFFFF"/>
+                </a:solidFill>
+              </a14:hiddenFill>
+            </a:ext>
+          </a:extLst>
+        </p:spPr>
+      </p:pic>
     </p:spTree>
     <p:extLst>
       <p:ext uri="{BB962C8B-B14F-4D97-AF65-F5344CB8AC3E}">
@@ -7280,12 +10678,131 @@
           <a:lstStyle/>
           <a:p>
             <a:r>
-              <a:rPr lang="fr-FR" dirty="0" err="1"/>
-              <a:t>Demo</a:t>
+              <a:rPr lang="fr-FR" dirty="0"/>
+              <a:t>New structure and </a:t>
             </a:r>
             <a:r>
+              <a:rPr lang="fr-FR" dirty="0" err="1"/>
+              <a:t>features</a:t>
+            </a:r>
+            <a:endParaRPr lang="fr-FR" dirty="0"/>
+          </a:p>
+        </p:txBody>
+      </p:sp>
+      <p:graphicFrame>
+        <p:nvGraphicFramePr>
+          <p:cNvPr id="4" name="Espace réservé du contenu 3"/>
+          <p:cNvGraphicFramePr>
+            <a:graphicFrameLocks noGrp="1"/>
+          </p:cNvGraphicFramePr>
+          <p:nvPr>
+            <p:ph idx="1"/>
+            <p:extLst>
+              <p:ext uri="{D42A27DB-BD31-4B8C-83A1-F6EECF244321}">
+                <p14:modId xmlns:p14="http://schemas.microsoft.com/office/powerpoint/2010/main" val="3876943955"/>
+              </p:ext>
+            </p:extLst>
+          </p:nvPr>
+        </p:nvGraphicFramePr>
+        <p:xfrm>
+          <a:off x="1096963" y="1846263"/>
+          <a:ext cx="10058400" cy="4022725"/>
+        </p:xfrm>
+        <a:graphic>
+          <a:graphicData uri="http://schemas.openxmlformats.org/drawingml/2006/diagram">
+            <dgm:relIds xmlns:dgm="http://schemas.openxmlformats.org/drawingml/2006/diagram" xmlns:r="http://schemas.openxmlformats.org/officeDocument/2006/relationships" r:dm="rId2" r:lo="rId3" r:qs="rId4" r:cs="rId5"/>
+          </a:graphicData>
+        </a:graphic>
+      </p:graphicFrame>
+      <p:pic>
+        <p:nvPicPr>
+          <p:cNvPr id="5" name="Picture 2" descr="Edulution Logo"/>
+          <p:cNvPicPr>
+            <a:picLocks noChangeAspect="1" noChangeArrowheads="1"/>
+          </p:cNvPicPr>
+          <p:nvPr/>
+        </p:nvPicPr>
+        <p:blipFill>
+          <a:blip r:embed="rId7">
+            <a:extLst>
+              <a:ext uri="{28A0092B-C50C-407E-A947-70E740481C1C}">
+                <a14:useLocalDpi xmlns:a14="http://schemas.microsoft.com/office/drawing/2010/main" val="0"/>
+              </a:ext>
+            </a:extLst>
+          </a:blip>
+          <a:srcRect/>
+          <a:stretch>
+            <a:fillRect/>
+          </a:stretch>
+        </p:blipFill>
+        <p:spPr bwMode="auto">
+          <a:xfrm>
+            <a:off x="8298180" y="758952"/>
+            <a:ext cx="2857500" cy="1057276"/>
+          </a:xfrm>
+          <a:prstGeom prst="rect">
+            <a:avLst/>
+          </a:prstGeom>
+          <a:noFill/>
+          <a:extLst>
+            <a:ext uri="{909E8E84-426E-40DD-AFC4-6F175D3DCCD1}">
+              <a14:hiddenFill xmlns:a14="http://schemas.microsoft.com/office/drawing/2010/main">
+                <a:solidFill>
+                  <a:srgbClr val="FFFFFF"/>
+                </a:solidFill>
+              </a14:hiddenFill>
+            </a:ext>
+          </a:extLst>
+        </p:spPr>
+      </p:pic>
+    </p:spTree>
+    <p:extLst>
+      <p:ext uri="{BB962C8B-B14F-4D97-AF65-F5344CB8AC3E}">
+        <p14:creationId xmlns:p14="http://schemas.microsoft.com/office/powerpoint/2010/main" val="2325735485"/>
+      </p:ext>
+    </p:extLst>
+  </p:cSld>
+  <p:clrMapOvr>
+    <a:masterClrMapping/>
+  </p:clrMapOvr>
+</p:sld>
+</file>
+
+<file path=ppt/slides/slide5.xml><?xml version="1.0" encoding="utf-8"?>
+<p:sld xmlns:a="http://schemas.openxmlformats.org/drawingml/2006/main" xmlns:r="http://schemas.openxmlformats.org/officeDocument/2006/relationships" xmlns:p="http://schemas.openxmlformats.org/presentationml/2006/main">
+  <p:cSld>
+    <p:spTree>
+      <p:nvGrpSpPr>
+        <p:cNvPr id="1" name=""/>
+        <p:cNvGrpSpPr/>
+        <p:nvPr/>
+      </p:nvGrpSpPr>
+      <p:grpSpPr>
+        <a:xfrm>
+          <a:off x="0" y="0"/>
+          <a:ext cx="0" cy="0"/>
+          <a:chOff x="0" y="0"/>
+          <a:chExt cx="0" cy="0"/>
+        </a:xfrm>
+      </p:grpSpPr>
+      <p:sp>
+        <p:nvSpPr>
+          <p:cNvPr id="2" name="Titre 1"/>
+          <p:cNvSpPr>
+            <a:spLocks noGrp="1"/>
+          </p:cNvSpPr>
+          <p:nvPr>
+            <p:ph type="title"/>
+          </p:nvPr>
+        </p:nvSpPr>
+        <p:spPr/>
+        <p:txBody>
+          <a:bodyPr/>
+          <a:lstStyle/>
+          <a:p>
+            <a:r>
               <a:rPr lang="fr-FR" dirty="0"/>
-              <a:t> time!</a:t>
+              <a:t>DEMO</a:t>
             </a:r>
           </a:p>
         </p:txBody>
@@ -7307,12 +10824,254 @@
           <a:p>
             <a:endParaRPr lang="fr-FR" dirty="0"/>
           </a:p>
+          <a:p>
+            <a:endParaRPr lang="fr-FR" dirty="0"/>
+          </a:p>
+          <a:p>
+            <a:endParaRPr lang="fr-FR" dirty="0"/>
+          </a:p>
+          <a:p>
+            <a:endParaRPr lang="fr-FR" dirty="0"/>
+          </a:p>
+          <a:p>
+            <a:pPr algn="ctr"/>
+            <a:r>
+              <a:rPr lang="fr-FR" sz="5400" dirty="0" err="1"/>
+              <a:t>It’s</a:t>
+            </a:r>
+            <a:r>
+              <a:rPr lang="fr-FR" sz="5400" dirty="0"/>
+              <a:t> </a:t>
+            </a:r>
+            <a:r>
+              <a:rPr lang="fr-FR" sz="5400" dirty="0" err="1"/>
+              <a:t>demo</a:t>
+            </a:r>
+            <a:r>
+              <a:rPr lang="fr-FR" sz="5400" dirty="0"/>
+              <a:t> time!</a:t>
+            </a:r>
+          </a:p>
         </p:txBody>
       </p:sp>
+      <p:pic>
+        <p:nvPicPr>
+          <p:cNvPr id="4" name="Picture 2" descr="Edulution Logo"/>
+          <p:cNvPicPr>
+            <a:picLocks noChangeAspect="1" noChangeArrowheads="1"/>
+          </p:cNvPicPr>
+          <p:nvPr/>
+        </p:nvPicPr>
+        <p:blipFill>
+          <a:blip r:embed="rId2">
+            <a:extLst>
+              <a:ext uri="{28A0092B-C50C-407E-A947-70E740481C1C}">
+                <a14:useLocalDpi xmlns:a14="http://schemas.microsoft.com/office/drawing/2010/main" val="0"/>
+              </a:ext>
+            </a:extLst>
+          </a:blip>
+          <a:srcRect/>
+          <a:stretch>
+            <a:fillRect/>
+          </a:stretch>
+        </p:blipFill>
+        <p:spPr bwMode="auto">
+          <a:xfrm>
+            <a:off x="8298180" y="758952"/>
+            <a:ext cx="2857500" cy="1057276"/>
+          </a:xfrm>
+          <a:prstGeom prst="rect">
+            <a:avLst/>
+          </a:prstGeom>
+          <a:noFill/>
+          <a:extLst>
+            <a:ext uri="{909E8E84-426E-40DD-AFC4-6F175D3DCCD1}">
+              <a14:hiddenFill xmlns:a14="http://schemas.microsoft.com/office/drawing/2010/main">
+                <a:solidFill>
+                  <a:srgbClr val="FFFFFF"/>
+                </a:solidFill>
+              </a14:hiddenFill>
+            </a:ext>
+          </a:extLst>
+        </p:spPr>
+      </p:pic>
     </p:spTree>
     <p:extLst>
       <p:ext uri="{BB962C8B-B14F-4D97-AF65-F5344CB8AC3E}">
-        <p14:creationId xmlns:p14="http://schemas.microsoft.com/office/powerpoint/2010/main" val="2325735485"/>
+        <p14:creationId xmlns:p14="http://schemas.microsoft.com/office/powerpoint/2010/main" val="1590321892"/>
+      </p:ext>
+    </p:extLst>
+  </p:cSld>
+  <p:clrMapOvr>
+    <a:masterClrMapping/>
+  </p:clrMapOvr>
+</p:sld>
+</file>
+
+<file path=ppt/slides/slide6.xml><?xml version="1.0" encoding="utf-8"?>
+<p:sld xmlns:a="http://schemas.openxmlformats.org/drawingml/2006/main" xmlns:r="http://schemas.openxmlformats.org/officeDocument/2006/relationships" xmlns:p="http://schemas.openxmlformats.org/presentationml/2006/main">
+  <p:cSld>
+    <p:spTree>
+      <p:nvGrpSpPr>
+        <p:cNvPr id="1" name=""/>
+        <p:cNvGrpSpPr/>
+        <p:nvPr/>
+      </p:nvGrpSpPr>
+      <p:grpSpPr>
+        <a:xfrm>
+          <a:off x="0" y="0"/>
+          <a:ext cx="0" cy="0"/>
+          <a:chOff x="0" y="0"/>
+          <a:chExt cx="0" cy="0"/>
+        </a:xfrm>
+      </p:grpSpPr>
+      <p:sp>
+        <p:nvSpPr>
+          <p:cNvPr id="2" name="Titre 1"/>
+          <p:cNvSpPr>
+            <a:spLocks noGrp="1"/>
+          </p:cNvSpPr>
+          <p:nvPr>
+            <p:ph type="title"/>
+          </p:nvPr>
+        </p:nvSpPr>
+        <p:spPr/>
+        <p:txBody>
+          <a:bodyPr/>
+          <a:lstStyle/>
+          <a:p>
+            <a:r>
+              <a:rPr lang="fr-FR" dirty="0" err="1"/>
+              <a:t>Next</a:t>
+            </a:r>
+            <a:r>
+              <a:rPr lang="fr-FR" dirty="0"/>
+              <a:t> </a:t>
+            </a:r>
+            <a:r>
+              <a:rPr lang="fr-FR" dirty="0" err="1"/>
+              <a:t>steps</a:t>
+            </a:r>
+            <a:endParaRPr lang="fr-FR" dirty="0"/>
+          </a:p>
+        </p:txBody>
+      </p:sp>
+      <p:sp>
+        <p:nvSpPr>
+          <p:cNvPr id="3" name="Espace réservé du contenu 2"/>
+          <p:cNvSpPr>
+            <a:spLocks noGrp="1"/>
+          </p:cNvSpPr>
+          <p:nvPr>
+            <p:ph idx="1"/>
+          </p:nvPr>
+        </p:nvSpPr>
+        <p:spPr/>
+        <p:txBody>
+          <a:bodyPr>
+            <a:normAutofit/>
+          </a:bodyPr>
+          <a:lstStyle/>
+          <a:p>
+            <a:r>
+              <a:rPr lang="en-GB" sz="2400" dirty="0"/>
+              <a:t>National side</a:t>
+            </a:r>
+          </a:p>
+          <a:p>
+            <a:pPr lvl="1"/>
+            <a:r>
+              <a:rPr lang="en-GB" sz="2000" dirty="0"/>
+              <a:t>Machine learning</a:t>
+            </a:r>
+          </a:p>
+          <a:p>
+            <a:pPr lvl="1"/>
+            <a:r>
+              <a:rPr lang="en-GB" sz="2000" dirty="0"/>
+              <a:t>Data visualization</a:t>
+            </a:r>
+          </a:p>
+          <a:p>
+            <a:r>
+              <a:rPr lang="en-GB" sz="2400" dirty="0"/>
+              <a:t>Algorithms</a:t>
+            </a:r>
+          </a:p>
+          <a:p>
+            <a:pPr lvl="1"/>
+            <a:r>
+              <a:rPr lang="en-GB" sz="2000" dirty="0"/>
+              <a:t>General improvement</a:t>
+            </a:r>
+          </a:p>
+          <a:p>
+            <a:r>
+              <a:rPr lang="en-GB" sz="2400" dirty="0"/>
+              <a:t>Gamification</a:t>
+            </a:r>
+          </a:p>
+          <a:p>
+            <a:pPr lvl="1"/>
+            <a:r>
+              <a:rPr lang="en-GB" sz="2000" dirty="0"/>
+              <a:t>Badges, stars,…</a:t>
+            </a:r>
+          </a:p>
+          <a:p>
+            <a:pPr lvl="1"/>
+            <a:r>
+              <a:rPr lang="en-GB" sz="2000" dirty="0"/>
+              <a:t>Progress visualization </a:t>
+            </a:r>
+          </a:p>
+        </p:txBody>
+      </p:sp>
+      <p:pic>
+        <p:nvPicPr>
+          <p:cNvPr id="4" name="Picture 2" descr="Edulution Logo"/>
+          <p:cNvPicPr>
+            <a:picLocks noChangeAspect="1" noChangeArrowheads="1"/>
+          </p:cNvPicPr>
+          <p:nvPr/>
+        </p:nvPicPr>
+        <p:blipFill>
+          <a:blip r:embed="rId2">
+            <a:extLst>
+              <a:ext uri="{28A0092B-C50C-407E-A947-70E740481C1C}">
+                <a14:useLocalDpi xmlns:a14="http://schemas.microsoft.com/office/drawing/2010/main" val="0"/>
+              </a:ext>
+            </a:extLst>
+          </a:blip>
+          <a:srcRect/>
+          <a:stretch>
+            <a:fillRect/>
+          </a:stretch>
+        </p:blipFill>
+        <p:spPr bwMode="auto">
+          <a:xfrm>
+            <a:off x="8298180" y="758952"/>
+            <a:ext cx="2857500" cy="1057276"/>
+          </a:xfrm>
+          <a:prstGeom prst="rect">
+            <a:avLst/>
+          </a:prstGeom>
+          <a:noFill/>
+          <a:extLst>
+            <a:ext uri="{909E8E84-426E-40DD-AFC4-6F175D3DCCD1}">
+              <a14:hiddenFill xmlns:a14="http://schemas.microsoft.com/office/drawing/2010/main">
+                <a:solidFill>
+                  <a:srgbClr val="FFFFFF"/>
+                </a:solidFill>
+              </a14:hiddenFill>
+            </a:ext>
+          </a:extLst>
+        </p:spPr>
+      </p:pic>
+    </p:spTree>
+    <p:extLst>
+      <p:ext uri="{BB962C8B-B14F-4D97-AF65-F5344CB8AC3E}">
+        <p14:creationId xmlns:p14="http://schemas.microsoft.com/office/powerpoint/2010/main" val="610779633"/>
       </p:ext>
     </p:extLst>
   </p:cSld>

--- a/Presentation/Edulution.pptx
+++ b/Presentation/Edulution.pptx
@@ -10584,9 +10584,23 @@
             <a:endParaRPr lang="en-GB" sz="2800" dirty="0"/>
           </a:p>
           <a:p>
+            <a:pPr marL="0" indent="0">
+              <a:buNone/>
+            </a:pPr>
+            <a:endParaRPr lang="en-GB" sz="3200" dirty="0"/>
+          </a:p>
+          <a:p>
+            <a:pPr algn="ctr"/>
             <a:r>
-              <a:rPr lang="en-GB" sz="2800" dirty="0"/>
-              <a:t>Personalize pupil’s experience</a:t>
+              <a:rPr lang="en-GB" sz="3600" dirty="0"/>
+              <a:t>Adaptive learning and </a:t>
+            </a:r>
+          </a:p>
+          <a:p>
+            <a:pPr algn="ctr"/>
+            <a:r>
+              <a:rPr lang="en-GB" sz="3600" dirty="0"/>
+              <a:t>improved progress tracking</a:t>
             </a:r>
           </a:p>
         </p:txBody>
